--- a/sarra.pptx
+++ b/sarra.pptx
@@ -4,6 +4,9 @@
   <p:sldMasterIdLst>
     <p:sldMasterId id="2147483648" r:id="rId1"/>
   </p:sldMasterIdLst>
+  <p:notesMasterIdLst>
+    <p:notesMasterId r:id="rId3"/>
+  </p:notesMasterIdLst>
   <p:sldIdLst>
     <p:sldId id="256" r:id="rId2"/>
   </p:sldIdLst>
@@ -104,7 +107,456 @@
       </a:defRPr>
     </a:lvl9pPr>
   </p:defaultTextStyle>
+  <p:extLst>
+    <p:ext uri="{EFAFB233-063F-42B5-8137-9DF3F51BA10A}">
+      <p15:sldGuideLst xmlns:p15="http://schemas.microsoft.com/office/powerpoint/2012/main">
+        <p15:guide id="1" orient="horz" pos="2880">
+          <p15:clr>
+            <a:srgbClr val="A4A3A4"/>
+          </p15:clr>
+        </p15:guide>
+        <p15:guide id="2" pos="2160">
+          <p15:clr>
+            <a:srgbClr val="A4A3A4"/>
+          </p15:clr>
+        </p15:guide>
+      </p15:sldGuideLst>
+    </p:ext>
+  </p:extLst>
 </p:presentation>
+</file>
+
+<file path=ppt/notesMasters/notesMaster1.xml><?xml version="1.0" encoding="utf-8"?>
+<p:notesMaster xmlns:a="http://schemas.openxmlformats.org/drawingml/2006/main" xmlns:r="http://schemas.openxmlformats.org/officeDocument/2006/relationships" xmlns:p="http://schemas.openxmlformats.org/presentationml/2006/main">
+  <p:cSld>
+    <p:bg>
+      <p:bgRef idx="1001">
+        <a:schemeClr val="bg1"/>
+      </p:bgRef>
+    </p:bg>
+    <p:spTree>
+      <p:nvGrpSpPr>
+        <p:cNvPr id="1" name=""/>
+        <p:cNvGrpSpPr/>
+        <p:nvPr/>
+      </p:nvGrpSpPr>
+      <p:grpSpPr>
+        <a:xfrm>
+          <a:off x="0" y="0"/>
+          <a:ext cx="0" cy="0"/>
+          <a:chOff x="0" y="0"/>
+          <a:chExt cx="0" cy="0"/>
+        </a:xfrm>
+      </p:grpSpPr>
+      <p:sp>
+        <p:nvSpPr>
+          <p:cNvPr id="2" name="Header Placeholder 1"/>
+          <p:cNvSpPr>
+            <a:spLocks noGrp="1"/>
+          </p:cNvSpPr>
+          <p:nvPr>
+            <p:ph type="hdr" sz="quarter"/>
+          </p:nvPr>
+        </p:nvSpPr>
+        <p:spPr>
+          <a:xfrm>
+            <a:off x="0" y="0"/>
+            <a:ext cx="2971800" cy="458788"/>
+          </a:xfrm>
+          <a:prstGeom prst="rect">
+            <a:avLst/>
+          </a:prstGeom>
+        </p:spPr>
+        <p:txBody>
+          <a:bodyPr vert="horz" lIns="91440" tIns="45720" rIns="91440" bIns="45720" rtlCol="0"/>
+          <a:lstStyle>
+            <a:lvl1pPr algn="l">
+              <a:defRPr sz="1200"/>
+            </a:lvl1pPr>
+          </a:lstStyle>
+          <a:p>
+            <a:endParaRPr lang="en-US"/>
+          </a:p>
+        </p:txBody>
+      </p:sp>
+      <p:sp>
+        <p:nvSpPr>
+          <p:cNvPr id="3" name="Date Placeholder 2"/>
+          <p:cNvSpPr>
+            <a:spLocks noGrp="1"/>
+          </p:cNvSpPr>
+          <p:nvPr>
+            <p:ph type="dt" idx="1"/>
+          </p:nvPr>
+        </p:nvSpPr>
+        <p:spPr>
+          <a:xfrm>
+            <a:off x="3884613" y="0"/>
+            <a:ext cx="2971800" cy="458788"/>
+          </a:xfrm>
+          <a:prstGeom prst="rect">
+            <a:avLst/>
+          </a:prstGeom>
+        </p:spPr>
+        <p:txBody>
+          <a:bodyPr vert="horz" lIns="91440" tIns="45720" rIns="91440" bIns="45720" rtlCol="0"/>
+          <a:lstStyle>
+            <a:lvl1pPr algn="r">
+              <a:defRPr sz="1200"/>
+            </a:lvl1pPr>
+          </a:lstStyle>
+          <a:p>
+            <a:fld id="{920B276F-3B61-4A9F-96F6-915A10C9622B}" type="datetimeFigureOut">
+              <a:rPr lang="en-US" smtClean="0"/>
+              <a:t>1/16/2023</a:t>
+            </a:fld>
+            <a:endParaRPr lang="en-US"/>
+          </a:p>
+        </p:txBody>
+      </p:sp>
+      <p:sp>
+        <p:nvSpPr>
+          <p:cNvPr id="4" name="Slide Image Placeholder 3"/>
+          <p:cNvSpPr>
+            <a:spLocks noGrp="1" noRot="1" noChangeAspect="1"/>
+          </p:cNvSpPr>
+          <p:nvPr>
+            <p:ph type="sldImg" idx="2"/>
+          </p:nvPr>
+        </p:nvSpPr>
+        <p:spPr>
+          <a:xfrm>
+            <a:off x="2271713" y="1143000"/>
+            <a:ext cx="2314575" cy="3086100"/>
+          </a:xfrm>
+          <a:prstGeom prst="rect">
+            <a:avLst/>
+          </a:prstGeom>
+          <a:noFill/>
+          <a:ln w="12700">
+            <a:solidFill>
+              <a:prstClr val="black"/>
+            </a:solidFill>
+          </a:ln>
+        </p:spPr>
+        <p:txBody>
+          <a:bodyPr vert="horz" lIns="91440" tIns="45720" rIns="91440" bIns="45720" rtlCol="0" anchor="ctr"/>
+          <a:lstStyle/>
+          <a:p>
+            <a:endParaRPr lang="en-US"/>
+          </a:p>
+        </p:txBody>
+      </p:sp>
+      <p:sp>
+        <p:nvSpPr>
+          <p:cNvPr id="5" name="Notes Placeholder 4"/>
+          <p:cNvSpPr>
+            <a:spLocks noGrp="1"/>
+          </p:cNvSpPr>
+          <p:nvPr>
+            <p:ph type="body" sz="quarter" idx="3"/>
+          </p:nvPr>
+        </p:nvSpPr>
+        <p:spPr>
+          <a:xfrm>
+            <a:off x="685800" y="4400550"/>
+            <a:ext cx="5486400" cy="3600450"/>
+          </a:xfrm>
+          <a:prstGeom prst="rect">
+            <a:avLst/>
+          </a:prstGeom>
+        </p:spPr>
+        <p:txBody>
+          <a:bodyPr vert="horz" lIns="91440" tIns="45720" rIns="91440" bIns="45720" rtlCol="0"/>
+          <a:lstStyle/>
+          <a:p>
+            <a:pPr lvl="0"/>
+            <a:r>
+              <a:rPr lang="en-US"/>
+              <a:t>Click to edit Master text styles</a:t>
+            </a:r>
+          </a:p>
+          <a:p>
+            <a:pPr lvl="1"/>
+            <a:r>
+              <a:rPr lang="en-US"/>
+              <a:t>Second level</a:t>
+            </a:r>
+          </a:p>
+          <a:p>
+            <a:pPr lvl="2"/>
+            <a:r>
+              <a:rPr lang="en-US"/>
+              <a:t>Third level</a:t>
+            </a:r>
+          </a:p>
+          <a:p>
+            <a:pPr lvl="3"/>
+            <a:r>
+              <a:rPr lang="en-US"/>
+              <a:t>Fourth level</a:t>
+            </a:r>
+          </a:p>
+          <a:p>
+            <a:pPr lvl="4"/>
+            <a:r>
+              <a:rPr lang="en-US"/>
+              <a:t>Fifth level</a:t>
+            </a:r>
+          </a:p>
+        </p:txBody>
+      </p:sp>
+      <p:sp>
+        <p:nvSpPr>
+          <p:cNvPr id="6" name="Footer Placeholder 5"/>
+          <p:cNvSpPr>
+            <a:spLocks noGrp="1"/>
+          </p:cNvSpPr>
+          <p:nvPr>
+            <p:ph type="ftr" sz="quarter" idx="4"/>
+          </p:nvPr>
+        </p:nvSpPr>
+        <p:spPr>
+          <a:xfrm>
+            <a:off x="0" y="8685213"/>
+            <a:ext cx="2971800" cy="458787"/>
+          </a:xfrm>
+          <a:prstGeom prst="rect">
+            <a:avLst/>
+          </a:prstGeom>
+        </p:spPr>
+        <p:txBody>
+          <a:bodyPr vert="horz" lIns="91440" tIns="45720" rIns="91440" bIns="45720" rtlCol="0" anchor="b"/>
+          <a:lstStyle>
+            <a:lvl1pPr algn="l">
+              <a:defRPr sz="1200"/>
+            </a:lvl1pPr>
+          </a:lstStyle>
+          <a:p>
+            <a:endParaRPr lang="en-US"/>
+          </a:p>
+        </p:txBody>
+      </p:sp>
+      <p:sp>
+        <p:nvSpPr>
+          <p:cNvPr id="7" name="Slide Number Placeholder 6"/>
+          <p:cNvSpPr>
+            <a:spLocks noGrp="1"/>
+          </p:cNvSpPr>
+          <p:nvPr>
+            <p:ph type="sldNum" sz="quarter" idx="5"/>
+          </p:nvPr>
+        </p:nvSpPr>
+        <p:spPr>
+          <a:xfrm>
+            <a:off x="3884613" y="8685213"/>
+            <a:ext cx="2971800" cy="458787"/>
+          </a:xfrm>
+          <a:prstGeom prst="rect">
+            <a:avLst/>
+          </a:prstGeom>
+        </p:spPr>
+        <p:txBody>
+          <a:bodyPr vert="horz" lIns="91440" tIns="45720" rIns="91440" bIns="45720" rtlCol="0" anchor="b"/>
+          <a:lstStyle>
+            <a:lvl1pPr algn="r">
+              <a:defRPr sz="1200"/>
+            </a:lvl1pPr>
+          </a:lstStyle>
+          <a:p>
+            <a:fld id="{A7E2D73B-566E-4255-9A0E-F1BB6559E06D}" type="slidenum">
+              <a:rPr lang="en-US" smtClean="0"/>
+              <a:t>‹#›</a:t>
+            </a:fld>
+            <a:endParaRPr lang="en-US"/>
+          </a:p>
+        </p:txBody>
+      </p:sp>
+    </p:spTree>
+    <p:extLst>
+      <p:ext uri="{BB962C8B-B14F-4D97-AF65-F5344CB8AC3E}">
+        <p14:creationId xmlns:p14="http://schemas.microsoft.com/office/powerpoint/2010/main" val="2107026853"/>
+      </p:ext>
+    </p:extLst>
+  </p:cSld>
+  <p:clrMap bg1="lt1" tx1="dk1" bg2="lt2" tx2="dk2" accent1="accent1" accent2="accent2" accent3="accent3" accent4="accent4" accent5="accent5" accent6="accent6" hlink="hlink" folHlink="folHlink"/>
+  <p:notesStyle>
+    <a:lvl1pPr marL="0" algn="l" defTabSz="914400" rtl="0" eaLnBrk="1" latinLnBrk="0" hangingPunct="1">
+      <a:defRPr sz="1200" kern="1200">
+        <a:solidFill>
+          <a:schemeClr val="tx1"/>
+        </a:solidFill>
+        <a:latin typeface="+mn-lt"/>
+        <a:ea typeface="+mn-ea"/>
+        <a:cs typeface="+mn-cs"/>
+      </a:defRPr>
+    </a:lvl1pPr>
+    <a:lvl2pPr marL="457200" algn="l" defTabSz="914400" rtl="0" eaLnBrk="1" latinLnBrk="0" hangingPunct="1">
+      <a:defRPr sz="1200" kern="1200">
+        <a:solidFill>
+          <a:schemeClr val="tx1"/>
+        </a:solidFill>
+        <a:latin typeface="+mn-lt"/>
+        <a:ea typeface="+mn-ea"/>
+        <a:cs typeface="+mn-cs"/>
+      </a:defRPr>
+    </a:lvl2pPr>
+    <a:lvl3pPr marL="914400" algn="l" defTabSz="914400" rtl="0" eaLnBrk="1" latinLnBrk="0" hangingPunct="1">
+      <a:defRPr sz="1200" kern="1200">
+        <a:solidFill>
+          <a:schemeClr val="tx1"/>
+        </a:solidFill>
+        <a:latin typeface="+mn-lt"/>
+        <a:ea typeface="+mn-ea"/>
+        <a:cs typeface="+mn-cs"/>
+      </a:defRPr>
+    </a:lvl3pPr>
+    <a:lvl4pPr marL="1371600" algn="l" defTabSz="914400" rtl="0" eaLnBrk="1" latinLnBrk="0" hangingPunct="1">
+      <a:defRPr sz="1200" kern="1200">
+        <a:solidFill>
+          <a:schemeClr val="tx1"/>
+        </a:solidFill>
+        <a:latin typeface="+mn-lt"/>
+        <a:ea typeface="+mn-ea"/>
+        <a:cs typeface="+mn-cs"/>
+      </a:defRPr>
+    </a:lvl4pPr>
+    <a:lvl5pPr marL="1828800" algn="l" defTabSz="914400" rtl="0" eaLnBrk="1" latinLnBrk="0" hangingPunct="1">
+      <a:defRPr sz="1200" kern="1200">
+        <a:solidFill>
+          <a:schemeClr val="tx1"/>
+        </a:solidFill>
+        <a:latin typeface="+mn-lt"/>
+        <a:ea typeface="+mn-ea"/>
+        <a:cs typeface="+mn-cs"/>
+      </a:defRPr>
+    </a:lvl5pPr>
+    <a:lvl6pPr marL="2286000" algn="l" defTabSz="914400" rtl="0" eaLnBrk="1" latinLnBrk="0" hangingPunct="1">
+      <a:defRPr sz="1200" kern="1200">
+        <a:solidFill>
+          <a:schemeClr val="tx1"/>
+        </a:solidFill>
+        <a:latin typeface="+mn-lt"/>
+        <a:ea typeface="+mn-ea"/>
+        <a:cs typeface="+mn-cs"/>
+      </a:defRPr>
+    </a:lvl6pPr>
+    <a:lvl7pPr marL="2743200" algn="l" defTabSz="914400" rtl="0" eaLnBrk="1" latinLnBrk="0" hangingPunct="1">
+      <a:defRPr sz="1200" kern="1200">
+        <a:solidFill>
+          <a:schemeClr val="tx1"/>
+        </a:solidFill>
+        <a:latin typeface="+mn-lt"/>
+        <a:ea typeface="+mn-ea"/>
+        <a:cs typeface="+mn-cs"/>
+      </a:defRPr>
+    </a:lvl7pPr>
+    <a:lvl8pPr marL="3200400" algn="l" defTabSz="914400" rtl="0" eaLnBrk="1" latinLnBrk="0" hangingPunct="1">
+      <a:defRPr sz="1200" kern="1200">
+        <a:solidFill>
+          <a:schemeClr val="tx1"/>
+        </a:solidFill>
+        <a:latin typeface="+mn-lt"/>
+        <a:ea typeface="+mn-ea"/>
+        <a:cs typeface="+mn-cs"/>
+      </a:defRPr>
+    </a:lvl8pPr>
+    <a:lvl9pPr marL="3657600" algn="l" defTabSz="914400" rtl="0" eaLnBrk="1" latinLnBrk="0" hangingPunct="1">
+      <a:defRPr sz="1200" kern="1200">
+        <a:solidFill>
+          <a:schemeClr val="tx1"/>
+        </a:solidFill>
+        <a:latin typeface="+mn-lt"/>
+        <a:ea typeface="+mn-ea"/>
+        <a:cs typeface="+mn-cs"/>
+      </a:defRPr>
+    </a:lvl9pPr>
+  </p:notesStyle>
+</p:notesMaster>
+</file>
+
+<file path=ppt/notesSlides/notesSlide1.xml><?xml version="1.0" encoding="utf-8"?>
+<p:notes xmlns:a="http://schemas.openxmlformats.org/drawingml/2006/main" xmlns:r="http://schemas.openxmlformats.org/officeDocument/2006/relationships" xmlns:p="http://schemas.openxmlformats.org/presentationml/2006/main">
+  <p:cSld>
+    <p:spTree>
+      <p:nvGrpSpPr>
+        <p:cNvPr id="1" name=""/>
+        <p:cNvGrpSpPr/>
+        <p:nvPr/>
+      </p:nvGrpSpPr>
+      <p:grpSpPr>
+        <a:xfrm>
+          <a:off x="0" y="0"/>
+          <a:ext cx="0" cy="0"/>
+          <a:chOff x="0" y="0"/>
+          <a:chExt cx="0" cy="0"/>
+        </a:xfrm>
+      </p:grpSpPr>
+      <p:sp>
+        <p:nvSpPr>
+          <p:cNvPr id="2" name="Slide Image Placeholder 1"/>
+          <p:cNvSpPr>
+            <a:spLocks noGrp="1" noRot="1" noChangeAspect="1"/>
+          </p:cNvSpPr>
+          <p:nvPr>
+            <p:ph type="sldImg"/>
+          </p:nvPr>
+        </p:nvSpPr>
+        <p:spPr/>
+      </p:sp>
+      <p:sp>
+        <p:nvSpPr>
+          <p:cNvPr id="3" name="Notes Placeholder 2"/>
+          <p:cNvSpPr>
+            <a:spLocks noGrp="1"/>
+          </p:cNvSpPr>
+          <p:nvPr>
+            <p:ph type="body" idx="1"/>
+          </p:nvPr>
+        </p:nvSpPr>
+        <p:spPr/>
+        <p:txBody>
+          <a:bodyPr/>
+          <a:lstStyle/>
+          <a:p>
+            <a:endParaRPr lang="en-US" dirty="0"/>
+          </a:p>
+        </p:txBody>
+      </p:sp>
+      <p:sp>
+        <p:nvSpPr>
+          <p:cNvPr id="4" name="Slide Number Placeholder 3"/>
+          <p:cNvSpPr>
+            <a:spLocks noGrp="1"/>
+          </p:cNvSpPr>
+          <p:nvPr>
+            <p:ph type="sldNum" sz="quarter" idx="5"/>
+          </p:nvPr>
+        </p:nvSpPr>
+        <p:spPr/>
+        <p:txBody>
+          <a:bodyPr/>
+          <a:lstStyle/>
+          <a:p>
+            <a:fld id="{A7E2D73B-566E-4255-9A0E-F1BB6559E06D}" type="slidenum">
+              <a:rPr lang="en-US" smtClean="0"/>
+              <a:t>1</a:t>
+            </a:fld>
+            <a:endParaRPr lang="en-US"/>
+          </a:p>
+        </p:txBody>
+      </p:sp>
+    </p:spTree>
+    <p:extLst>
+      <p:ext uri="{BB962C8B-B14F-4D97-AF65-F5344CB8AC3E}">
+        <p14:creationId xmlns:p14="http://schemas.microsoft.com/office/powerpoint/2010/main" val="3152579541"/>
+      </p:ext>
+    </p:extLst>
+  </p:cSld>
+  <p:clrMapOvr>
+    <a:masterClrMapping/>
+  </p:clrMapOvr>
+</p:notes>
 </file>
 
 <file path=ppt/slideLayouts/slideLayout1.xml><?xml version="1.0" encoding="utf-8"?>
@@ -145,10 +597,9 @@
           <a:lstStyle/>
           <a:p>
             <a:r>
-              <a:rPr lang="en-US" smtClean="0"/>
+              <a:rPr lang="en-US"/>
               <a:t>Click to edit Master title style</a:t>
             </a:r>
-            <a:endParaRPr lang="en-US"/>
           </a:p>
         </p:txBody>
       </p:sp>
@@ -264,10 +715,9 @@
           </a:lstStyle>
           <a:p>
             <a:r>
-              <a:rPr lang="en-US" smtClean="0"/>
+              <a:rPr lang="en-US"/>
               <a:t>Click to edit Master subtitle style</a:t>
             </a:r>
-            <a:endParaRPr lang="en-US"/>
           </a:p>
         </p:txBody>
       </p:sp>
@@ -288,7 +738,7 @@
           <a:p>
             <a:fld id="{2470DD1F-8068-415C-ADB1-D7C9F9707149}" type="datetimeFigureOut">
               <a:rPr lang="en-US" smtClean="0"/>
-              <a:t>1/15/2023</a:t>
+              <a:t>1/16/2023</a:t>
             </a:fld>
             <a:endParaRPr lang="en-US"/>
           </a:p>
@@ -377,10 +827,9 @@
           <a:lstStyle/>
           <a:p>
             <a:r>
-              <a:rPr lang="en-US" smtClean="0"/>
+              <a:rPr lang="en-US"/>
               <a:t>Click to edit Master title style</a:t>
             </a:r>
-            <a:endParaRPr lang="en-US"/>
           </a:p>
         </p:txBody>
       </p:sp>
@@ -401,38 +850,37 @@
           <a:p>
             <a:pPr lvl="0"/>
             <a:r>
-              <a:rPr lang="en-US" smtClean="0"/>
+              <a:rPr lang="en-US"/>
               <a:t>Click to edit Master text styles</a:t>
             </a:r>
           </a:p>
           <a:p>
             <a:pPr lvl="1"/>
             <a:r>
-              <a:rPr lang="en-US" smtClean="0"/>
+              <a:rPr lang="en-US"/>
               <a:t>Second level</a:t>
             </a:r>
           </a:p>
           <a:p>
             <a:pPr lvl="2"/>
             <a:r>
-              <a:rPr lang="en-US" smtClean="0"/>
+              <a:rPr lang="en-US"/>
               <a:t>Third level</a:t>
             </a:r>
           </a:p>
           <a:p>
             <a:pPr lvl="3"/>
             <a:r>
-              <a:rPr lang="en-US" smtClean="0"/>
+              <a:rPr lang="en-US"/>
               <a:t>Fourth level</a:t>
             </a:r>
           </a:p>
           <a:p>
             <a:pPr lvl="4"/>
             <a:r>
-              <a:rPr lang="en-US" smtClean="0"/>
+              <a:rPr lang="en-US"/>
               <a:t>Fifth level</a:t>
             </a:r>
-            <a:endParaRPr lang="en-US"/>
           </a:p>
         </p:txBody>
       </p:sp>
@@ -453,7 +901,7 @@
           <a:p>
             <a:fld id="{2470DD1F-8068-415C-ADB1-D7C9F9707149}" type="datetimeFigureOut">
               <a:rPr lang="en-US" smtClean="0"/>
-              <a:t>1/15/2023</a:t>
+              <a:t>1/16/2023</a:t>
             </a:fld>
             <a:endParaRPr lang="en-US"/>
           </a:p>
@@ -547,10 +995,9 @@
           <a:lstStyle/>
           <a:p>
             <a:r>
-              <a:rPr lang="en-US" smtClean="0"/>
+              <a:rPr lang="en-US"/>
               <a:t>Click to edit Master title style</a:t>
             </a:r>
-            <a:endParaRPr lang="en-US"/>
           </a:p>
         </p:txBody>
       </p:sp>
@@ -576,38 +1023,37 @@
           <a:p>
             <a:pPr lvl="0"/>
             <a:r>
-              <a:rPr lang="en-US" smtClean="0"/>
+              <a:rPr lang="en-US"/>
               <a:t>Click to edit Master text styles</a:t>
             </a:r>
           </a:p>
           <a:p>
             <a:pPr lvl="1"/>
             <a:r>
-              <a:rPr lang="en-US" smtClean="0"/>
+              <a:rPr lang="en-US"/>
               <a:t>Second level</a:t>
             </a:r>
           </a:p>
           <a:p>
             <a:pPr lvl="2"/>
             <a:r>
-              <a:rPr lang="en-US" smtClean="0"/>
+              <a:rPr lang="en-US"/>
               <a:t>Third level</a:t>
             </a:r>
           </a:p>
           <a:p>
             <a:pPr lvl="3"/>
             <a:r>
-              <a:rPr lang="en-US" smtClean="0"/>
+              <a:rPr lang="en-US"/>
               <a:t>Fourth level</a:t>
             </a:r>
           </a:p>
           <a:p>
             <a:pPr lvl="4"/>
             <a:r>
-              <a:rPr lang="en-US" smtClean="0"/>
+              <a:rPr lang="en-US"/>
               <a:t>Fifth level</a:t>
             </a:r>
-            <a:endParaRPr lang="en-US"/>
           </a:p>
         </p:txBody>
       </p:sp>
@@ -628,7 +1074,7 @@
           <a:p>
             <a:fld id="{2470DD1F-8068-415C-ADB1-D7C9F9707149}" type="datetimeFigureOut">
               <a:rPr lang="en-US" smtClean="0"/>
-              <a:t>1/15/2023</a:t>
+              <a:t>1/16/2023</a:t>
             </a:fld>
             <a:endParaRPr lang="en-US"/>
           </a:p>
@@ -717,10 +1163,9 @@
           <a:lstStyle/>
           <a:p>
             <a:r>
-              <a:rPr lang="en-US" smtClean="0"/>
+              <a:rPr lang="en-US"/>
               <a:t>Click to edit Master title style</a:t>
             </a:r>
-            <a:endParaRPr lang="en-US"/>
           </a:p>
         </p:txBody>
       </p:sp>
@@ -741,38 +1186,37 @@
           <a:p>
             <a:pPr lvl="0"/>
             <a:r>
-              <a:rPr lang="en-US" smtClean="0"/>
+              <a:rPr lang="en-US"/>
               <a:t>Click to edit Master text styles</a:t>
             </a:r>
           </a:p>
           <a:p>
             <a:pPr lvl="1"/>
             <a:r>
-              <a:rPr lang="en-US" smtClean="0"/>
+              <a:rPr lang="en-US"/>
               <a:t>Second level</a:t>
             </a:r>
           </a:p>
           <a:p>
             <a:pPr lvl="2"/>
             <a:r>
-              <a:rPr lang="en-US" smtClean="0"/>
+              <a:rPr lang="en-US"/>
               <a:t>Third level</a:t>
             </a:r>
           </a:p>
           <a:p>
             <a:pPr lvl="3"/>
             <a:r>
-              <a:rPr lang="en-US" smtClean="0"/>
+              <a:rPr lang="en-US"/>
               <a:t>Fourth level</a:t>
             </a:r>
           </a:p>
           <a:p>
             <a:pPr lvl="4"/>
             <a:r>
-              <a:rPr lang="en-US" smtClean="0"/>
+              <a:rPr lang="en-US"/>
               <a:t>Fifth level</a:t>
             </a:r>
-            <a:endParaRPr lang="en-US"/>
           </a:p>
         </p:txBody>
       </p:sp>
@@ -793,7 +1237,7 @@
           <a:p>
             <a:fld id="{2470DD1F-8068-415C-ADB1-D7C9F9707149}" type="datetimeFigureOut">
               <a:rPr lang="en-US" smtClean="0"/>
-              <a:t>1/15/2023</a:t>
+              <a:t>1/16/2023</a:t>
             </a:fld>
             <a:endParaRPr lang="en-US"/>
           </a:p>
@@ -891,10 +1335,9 @@
           </a:lstStyle>
           <a:p>
             <a:r>
-              <a:rPr lang="en-US" smtClean="0"/>
+              <a:rPr lang="en-US"/>
               <a:t>Click to edit Master title style</a:t>
             </a:r>
-            <a:endParaRPr lang="en-US"/>
           </a:p>
         </p:txBody>
       </p:sp>
@@ -1011,7 +1454,7 @@
           <a:p>
             <a:pPr lvl="0"/>
             <a:r>
-              <a:rPr lang="en-US" smtClean="0"/>
+              <a:rPr lang="en-US"/>
               <a:t>Click to edit Master text styles</a:t>
             </a:r>
           </a:p>
@@ -1034,7 +1477,7 @@
           <a:p>
             <a:fld id="{2470DD1F-8068-415C-ADB1-D7C9F9707149}" type="datetimeFigureOut">
               <a:rPr lang="en-US" smtClean="0"/>
-              <a:t>1/15/2023</a:t>
+              <a:t>1/16/2023</a:t>
             </a:fld>
             <a:endParaRPr lang="en-US"/>
           </a:p>
@@ -1123,10 +1566,9 @@
           <a:lstStyle/>
           <a:p>
             <a:r>
-              <a:rPr lang="en-US" smtClean="0"/>
+              <a:rPr lang="en-US"/>
               <a:t>Click to edit Master title style</a:t>
             </a:r>
-            <a:endParaRPr lang="en-US"/>
           </a:p>
         </p:txBody>
       </p:sp>
@@ -1180,38 +1622,37 @@
           <a:p>
             <a:pPr lvl="0"/>
             <a:r>
-              <a:rPr lang="en-US" smtClean="0"/>
+              <a:rPr lang="en-US"/>
               <a:t>Click to edit Master text styles</a:t>
             </a:r>
           </a:p>
           <a:p>
             <a:pPr lvl="1"/>
             <a:r>
-              <a:rPr lang="en-US" smtClean="0"/>
+              <a:rPr lang="en-US"/>
               <a:t>Second level</a:t>
             </a:r>
           </a:p>
           <a:p>
             <a:pPr lvl="2"/>
             <a:r>
-              <a:rPr lang="en-US" smtClean="0"/>
+              <a:rPr lang="en-US"/>
               <a:t>Third level</a:t>
             </a:r>
           </a:p>
           <a:p>
             <a:pPr lvl="3"/>
             <a:r>
-              <a:rPr lang="en-US" smtClean="0"/>
+              <a:rPr lang="en-US"/>
               <a:t>Fourth level</a:t>
             </a:r>
           </a:p>
           <a:p>
             <a:pPr lvl="4"/>
             <a:r>
-              <a:rPr lang="en-US" smtClean="0"/>
+              <a:rPr lang="en-US"/>
               <a:t>Fifth level</a:t>
             </a:r>
-            <a:endParaRPr lang="en-US"/>
           </a:p>
         </p:txBody>
       </p:sp>
@@ -1265,38 +1706,37 @@
           <a:p>
             <a:pPr lvl="0"/>
             <a:r>
-              <a:rPr lang="en-US" smtClean="0"/>
+              <a:rPr lang="en-US"/>
               <a:t>Click to edit Master text styles</a:t>
             </a:r>
           </a:p>
           <a:p>
             <a:pPr lvl="1"/>
             <a:r>
-              <a:rPr lang="en-US" smtClean="0"/>
+              <a:rPr lang="en-US"/>
               <a:t>Second level</a:t>
             </a:r>
           </a:p>
           <a:p>
             <a:pPr lvl="2"/>
             <a:r>
-              <a:rPr lang="en-US" smtClean="0"/>
+              <a:rPr lang="en-US"/>
               <a:t>Third level</a:t>
             </a:r>
           </a:p>
           <a:p>
             <a:pPr lvl="3"/>
             <a:r>
-              <a:rPr lang="en-US" smtClean="0"/>
+              <a:rPr lang="en-US"/>
               <a:t>Fourth level</a:t>
             </a:r>
           </a:p>
           <a:p>
             <a:pPr lvl="4"/>
             <a:r>
-              <a:rPr lang="en-US" smtClean="0"/>
+              <a:rPr lang="en-US"/>
               <a:t>Fifth level</a:t>
             </a:r>
-            <a:endParaRPr lang="en-US"/>
           </a:p>
         </p:txBody>
       </p:sp>
@@ -1317,7 +1757,7 @@
           <a:p>
             <a:fld id="{2470DD1F-8068-415C-ADB1-D7C9F9707149}" type="datetimeFigureOut">
               <a:rPr lang="en-US" smtClean="0"/>
-              <a:t>1/15/2023</a:t>
+              <a:t>1/16/2023</a:t>
             </a:fld>
             <a:endParaRPr lang="en-US"/>
           </a:p>
@@ -1415,10 +1855,9 @@
           </a:lstStyle>
           <a:p>
             <a:r>
-              <a:rPr lang="en-US" smtClean="0"/>
+              <a:rPr lang="en-US"/>
               <a:t>Click to edit Master title style</a:t>
             </a:r>
-            <a:endParaRPr lang="en-US"/>
           </a:p>
         </p:txBody>
       </p:sp>
@@ -1481,7 +1920,7 @@
           <a:p>
             <a:pPr lvl="0"/>
             <a:r>
-              <a:rPr lang="en-US" smtClean="0"/>
+              <a:rPr lang="en-US"/>
               <a:t>Click to edit Master text styles</a:t>
             </a:r>
           </a:p>
@@ -1537,38 +1976,37 @@
           <a:p>
             <a:pPr lvl="0"/>
             <a:r>
-              <a:rPr lang="en-US" smtClean="0"/>
+              <a:rPr lang="en-US"/>
               <a:t>Click to edit Master text styles</a:t>
             </a:r>
           </a:p>
           <a:p>
             <a:pPr lvl="1"/>
             <a:r>
-              <a:rPr lang="en-US" smtClean="0"/>
+              <a:rPr lang="en-US"/>
               <a:t>Second level</a:t>
             </a:r>
           </a:p>
           <a:p>
             <a:pPr lvl="2"/>
             <a:r>
-              <a:rPr lang="en-US" smtClean="0"/>
+              <a:rPr lang="en-US"/>
               <a:t>Third level</a:t>
             </a:r>
           </a:p>
           <a:p>
             <a:pPr lvl="3"/>
             <a:r>
-              <a:rPr lang="en-US" smtClean="0"/>
+              <a:rPr lang="en-US"/>
               <a:t>Fourth level</a:t>
             </a:r>
           </a:p>
           <a:p>
             <a:pPr lvl="4"/>
             <a:r>
-              <a:rPr lang="en-US" smtClean="0"/>
+              <a:rPr lang="en-US"/>
               <a:t>Fifth level</a:t>
             </a:r>
-            <a:endParaRPr lang="en-US"/>
           </a:p>
         </p:txBody>
       </p:sp>
@@ -1631,7 +2069,7 @@
           <a:p>
             <a:pPr lvl="0"/>
             <a:r>
-              <a:rPr lang="en-US" smtClean="0"/>
+              <a:rPr lang="en-US"/>
               <a:t>Click to edit Master text styles</a:t>
             </a:r>
           </a:p>
@@ -1687,38 +2125,37 @@
           <a:p>
             <a:pPr lvl="0"/>
             <a:r>
-              <a:rPr lang="en-US" smtClean="0"/>
+              <a:rPr lang="en-US"/>
               <a:t>Click to edit Master text styles</a:t>
             </a:r>
           </a:p>
           <a:p>
             <a:pPr lvl="1"/>
             <a:r>
-              <a:rPr lang="en-US" smtClean="0"/>
+              <a:rPr lang="en-US"/>
               <a:t>Second level</a:t>
             </a:r>
           </a:p>
           <a:p>
             <a:pPr lvl="2"/>
             <a:r>
-              <a:rPr lang="en-US" smtClean="0"/>
+              <a:rPr lang="en-US"/>
               <a:t>Third level</a:t>
             </a:r>
           </a:p>
           <a:p>
             <a:pPr lvl="3"/>
             <a:r>
-              <a:rPr lang="en-US" smtClean="0"/>
+              <a:rPr lang="en-US"/>
               <a:t>Fourth level</a:t>
             </a:r>
           </a:p>
           <a:p>
             <a:pPr lvl="4"/>
             <a:r>
-              <a:rPr lang="en-US" smtClean="0"/>
+              <a:rPr lang="en-US"/>
               <a:t>Fifth level</a:t>
             </a:r>
-            <a:endParaRPr lang="en-US"/>
           </a:p>
         </p:txBody>
       </p:sp>
@@ -1739,7 +2176,7 @@
           <a:p>
             <a:fld id="{2470DD1F-8068-415C-ADB1-D7C9F9707149}" type="datetimeFigureOut">
               <a:rPr lang="en-US" smtClean="0"/>
-              <a:t>1/15/2023</a:t>
+              <a:t>1/16/2023</a:t>
             </a:fld>
             <a:endParaRPr lang="en-US"/>
           </a:p>
@@ -1828,10 +2265,9 @@
           <a:lstStyle/>
           <a:p>
             <a:r>
-              <a:rPr lang="en-US" smtClean="0"/>
+              <a:rPr lang="en-US"/>
               <a:t>Click to edit Master title style</a:t>
             </a:r>
-            <a:endParaRPr lang="en-US"/>
           </a:p>
         </p:txBody>
       </p:sp>
@@ -1852,7 +2288,7 @@
           <a:p>
             <a:fld id="{2470DD1F-8068-415C-ADB1-D7C9F9707149}" type="datetimeFigureOut">
               <a:rPr lang="en-US" smtClean="0"/>
-              <a:t>1/15/2023</a:t>
+              <a:t>1/16/2023</a:t>
             </a:fld>
             <a:endParaRPr lang="en-US"/>
           </a:p>
@@ -1942,7 +2378,7 @@
           <a:p>
             <a:fld id="{2470DD1F-8068-415C-ADB1-D7C9F9707149}" type="datetimeFigureOut">
               <a:rPr lang="en-US" smtClean="0"/>
-              <a:t>1/15/2023</a:t>
+              <a:t>1/16/2023</a:t>
             </a:fld>
             <a:endParaRPr lang="en-US"/>
           </a:p>
@@ -2040,10 +2476,9 @@
           </a:lstStyle>
           <a:p>
             <a:r>
-              <a:rPr lang="en-US" smtClean="0"/>
+              <a:rPr lang="en-US"/>
               <a:t>Click to edit Master title style</a:t>
             </a:r>
-            <a:endParaRPr lang="en-US"/>
           </a:p>
         </p:txBody>
       </p:sp>
@@ -2097,38 +2532,37 @@
           <a:p>
             <a:pPr lvl="0"/>
             <a:r>
-              <a:rPr lang="en-US" smtClean="0"/>
+              <a:rPr lang="en-US"/>
               <a:t>Click to edit Master text styles</a:t>
             </a:r>
           </a:p>
           <a:p>
             <a:pPr lvl="1"/>
             <a:r>
-              <a:rPr lang="en-US" smtClean="0"/>
+              <a:rPr lang="en-US"/>
               <a:t>Second level</a:t>
             </a:r>
           </a:p>
           <a:p>
             <a:pPr lvl="2"/>
             <a:r>
-              <a:rPr lang="en-US" smtClean="0"/>
+              <a:rPr lang="en-US"/>
               <a:t>Third level</a:t>
             </a:r>
           </a:p>
           <a:p>
             <a:pPr lvl="3"/>
             <a:r>
-              <a:rPr lang="en-US" smtClean="0"/>
+              <a:rPr lang="en-US"/>
               <a:t>Fourth level</a:t>
             </a:r>
           </a:p>
           <a:p>
             <a:pPr lvl="4"/>
             <a:r>
-              <a:rPr lang="en-US" smtClean="0"/>
+              <a:rPr lang="en-US"/>
               <a:t>Fifth level</a:t>
             </a:r>
-            <a:endParaRPr lang="en-US"/>
           </a:p>
         </p:txBody>
       </p:sp>
@@ -2191,7 +2625,7 @@
           <a:p>
             <a:pPr lvl="0"/>
             <a:r>
-              <a:rPr lang="en-US" smtClean="0"/>
+              <a:rPr lang="en-US"/>
               <a:t>Click to edit Master text styles</a:t>
             </a:r>
           </a:p>
@@ -2214,7 +2648,7 @@
           <a:p>
             <a:fld id="{2470DD1F-8068-415C-ADB1-D7C9F9707149}" type="datetimeFigureOut">
               <a:rPr lang="en-US" smtClean="0"/>
-              <a:t>1/15/2023</a:t>
+              <a:t>1/16/2023</a:t>
             </a:fld>
             <a:endParaRPr lang="en-US"/>
           </a:p>
@@ -2312,10 +2746,9 @@
           </a:lstStyle>
           <a:p>
             <a:r>
-              <a:rPr lang="en-US" smtClean="0"/>
+              <a:rPr lang="en-US"/>
               <a:t>Click to edit Master title style</a:t>
             </a:r>
-            <a:endParaRPr lang="en-US"/>
           </a:p>
         </p:txBody>
       </p:sp>
@@ -2439,7 +2872,7 @@
           <a:p>
             <a:pPr lvl="0"/>
             <a:r>
-              <a:rPr lang="en-US" smtClean="0"/>
+              <a:rPr lang="en-US"/>
               <a:t>Click to edit Master text styles</a:t>
             </a:r>
           </a:p>
@@ -2462,7 +2895,7 @@
           <a:p>
             <a:fld id="{2470DD1F-8068-415C-ADB1-D7C9F9707149}" type="datetimeFigureOut">
               <a:rPr lang="en-US" smtClean="0"/>
-              <a:t>1/15/2023</a:t>
+              <a:t>1/16/2023</a:t>
             </a:fld>
             <a:endParaRPr lang="en-US"/>
           </a:p>
@@ -2566,10 +2999,9 @@
           <a:lstStyle/>
           <a:p>
             <a:r>
-              <a:rPr lang="en-US" smtClean="0"/>
+              <a:rPr lang="en-US"/>
               <a:t>Click to edit Master title style</a:t>
             </a:r>
-            <a:endParaRPr lang="en-US"/>
           </a:p>
         </p:txBody>
       </p:sp>
@@ -2600,38 +3032,37 @@
           <a:p>
             <a:pPr lvl="0"/>
             <a:r>
-              <a:rPr lang="en-US" smtClean="0"/>
+              <a:rPr lang="en-US"/>
               <a:t>Click to edit Master text styles</a:t>
             </a:r>
           </a:p>
           <a:p>
             <a:pPr lvl="1"/>
             <a:r>
-              <a:rPr lang="en-US" smtClean="0"/>
+              <a:rPr lang="en-US"/>
               <a:t>Second level</a:t>
             </a:r>
           </a:p>
           <a:p>
             <a:pPr lvl="2"/>
             <a:r>
-              <a:rPr lang="en-US" smtClean="0"/>
+              <a:rPr lang="en-US"/>
               <a:t>Third level</a:t>
             </a:r>
           </a:p>
           <a:p>
             <a:pPr lvl="3"/>
             <a:r>
-              <a:rPr lang="en-US" smtClean="0"/>
+              <a:rPr lang="en-US"/>
               <a:t>Fourth level</a:t>
             </a:r>
           </a:p>
           <a:p>
             <a:pPr lvl="4"/>
             <a:r>
-              <a:rPr lang="en-US" smtClean="0"/>
+              <a:rPr lang="en-US"/>
               <a:t>Fifth level</a:t>
             </a:r>
-            <a:endParaRPr lang="en-US"/>
           </a:p>
         </p:txBody>
       </p:sp>
@@ -2670,7 +3101,7 @@
           <a:p>
             <a:fld id="{2470DD1F-8068-415C-ADB1-D7C9F9707149}" type="datetimeFigureOut">
               <a:rPr lang="en-US" smtClean="0"/>
-              <a:t>1/15/2023</a:t>
+              <a:t>1/16/2023</a:t>
             </a:fld>
             <a:endParaRPr lang="en-US"/>
           </a:p>
@@ -3042,42 +3473,399 @@
       </p:grpSpPr>
       <p:sp>
         <p:nvSpPr>
-          <p:cNvPr id="5" name="Rectangle 4"/>
-          <p:cNvSpPr/>
+          <p:cNvPr id="6" name="TextBox 5"/>
+          <p:cNvSpPr txBox="1"/>
           <p:nvPr/>
         </p:nvSpPr>
         <p:spPr>
           <a:xfrm>
-            <a:off x="1905000" y="0"/>
-            <a:ext cx="4953000" cy="9144000"/>
+            <a:off x="2263140" y="14077"/>
+            <a:ext cx="2286000" cy="338554"/>
           </a:xfrm>
           <a:prstGeom prst="rect">
             <a:avLst/>
           </a:prstGeom>
-          <a:gradFill flip="none" rotWithShape="1">
-            <a:gsLst>
-              <a:gs pos="0">
-                <a:srgbClr val="866A7D">
-                  <a:tint val="66000"/>
-                  <a:satMod val="160000"/>
-                </a:srgbClr>
-              </a:gs>
-              <a:gs pos="50000">
-                <a:srgbClr val="866A7D">
-                  <a:tint val="44500"/>
-                  <a:satMod val="160000"/>
-                </a:srgbClr>
-              </a:gs>
-              <a:gs pos="100000">
-                <a:srgbClr val="866A7D">
-                  <a:tint val="23500"/>
-                  <a:satMod val="160000"/>
-                </a:srgbClr>
-              </a:gs>
-            </a:gsLst>
-            <a:lin ang="5400000" scaled="1"/>
-            <a:tileRect/>
-          </a:gradFill>
+          <a:noFill/>
+        </p:spPr>
+        <p:txBody>
+          <a:bodyPr wrap="square" rtlCol="0">
+            <a:spAutoFit/>
+          </a:bodyPr>
+          <a:lstStyle/>
+          <a:p>
+            <a:r>
+              <a:rPr lang="en-US" sz="1600" b="1" dirty="0">
+                <a:latin typeface="Times New Roman" pitchFamily="18" charset="0"/>
+                <a:cs typeface="Times New Roman" pitchFamily="18" charset="0"/>
+              </a:rPr>
+              <a:t>Sarra Yasmin</a:t>
+            </a:r>
+          </a:p>
+        </p:txBody>
+      </p:sp>
+      <p:sp>
+        <p:nvSpPr>
+          <p:cNvPr id="7" name="TextBox 6"/>
+          <p:cNvSpPr txBox="1"/>
+          <p:nvPr/>
+        </p:nvSpPr>
+        <p:spPr>
+          <a:xfrm>
+            <a:off x="2279015" y="300301"/>
+            <a:ext cx="1752600" cy="276999"/>
+          </a:xfrm>
+          <a:prstGeom prst="rect">
+            <a:avLst/>
+          </a:prstGeom>
+          <a:noFill/>
+        </p:spPr>
+        <p:txBody>
+          <a:bodyPr wrap="square" rtlCol="0">
+            <a:spAutoFit/>
+          </a:bodyPr>
+          <a:lstStyle/>
+          <a:p>
+            <a:r>
+              <a:rPr lang="en-US" sz="1200" b="1" dirty="0">
+                <a:latin typeface="Times New Roman" pitchFamily="18" charset="0"/>
+                <a:cs typeface="Times New Roman" pitchFamily="18" charset="0"/>
+              </a:rPr>
+              <a:t>Web</a:t>
+            </a:r>
+            <a:r>
+              <a:rPr lang="en-US" sz="1200" dirty="0">
+                <a:latin typeface="Times New Roman" pitchFamily="18" charset="0"/>
+                <a:cs typeface="Times New Roman" pitchFamily="18" charset="0"/>
+              </a:rPr>
+              <a:t> </a:t>
+            </a:r>
+            <a:r>
+              <a:rPr lang="en-US" sz="1200" b="1" dirty="0">
+                <a:latin typeface="Times New Roman" pitchFamily="18" charset="0"/>
+                <a:cs typeface="Times New Roman" pitchFamily="18" charset="0"/>
+              </a:rPr>
+              <a:t>Developer</a:t>
+            </a:r>
+          </a:p>
+        </p:txBody>
+      </p:sp>
+      <p:sp>
+        <p:nvSpPr>
+          <p:cNvPr id="44" name="TextBox 43"/>
+          <p:cNvSpPr txBox="1"/>
+          <p:nvPr/>
+        </p:nvSpPr>
+        <p:spPr>
+          <a:xfrm>
+            <a:off x="2244089" y="1858125"/>
+            <a:ext cx="1600200" cy="338554"/>
+          </a:xfrm>
+          <a:prstGeom prst="rect">
+            <a:avLst/>
+          </a:prstGeom>
+          <a:noFill/>
+        </p:spPr>
+        <p:txBody>
+          <a:bodyPr wrap="square" rtlCol="0">
+            <a:spAutoFit/>
+          </a:bodyPr>
+          <a:lstStyle/>
+          <a:p>
+            <a:r>
+              <a:rPr lang="en-US" sz="1600" b="1" dirty="0">
+                <a:latin typeface="Times New Roman" pitchFamily="18" charset="0"/>
+                <a:cs typeface="Times New Roman" pitchFamily="18" charset="0"/>
+              </a:rPr>
+              <a:t>Job Experience</a:t>
+            </a:r>
+          </a:p>
+        </p:txBody>
+      </p:sp>
+      <p:sp>
+        <p:nvSpPr>
+          <p:cNvPr id="45" name="TextBox 44"/>
+          <p:cNvSpPr txBox="1"/>
+          <p:nvPr/>
+        </p:nvSpPr>
+        <p:spPr>
+          <a:xfrm>
+            <a:off x="2261040" y="2169771"/>
+            <a:ext cx="4038600" cy="707886"/>
+          </a:xfrm>
+          <a:prstGeom prst="rect">
+            <a:avLst/>
+          </a:prstGeom>
+          <a:noFill/>
+        </p:spPr>
+        <p:txBody>
+          <a:bodyPr wrap="square" rtlCol="0">
+            <a:spAutoFit/>
+          </a:bodyPr>
+          <a:lstStyle/>
+          <a:p>
+            <a:r>
+              <a:rPr lang="en-US" sz="1200" b="1" dirty="0">
+                <a:latin typeface="Times New Roman" pitchFamily="18" charset="0"/>
+                <a:cs typeface="Times New Roman" pitchFamily="18" charset="0"/>
+              </a:rPr>
+              <a:t>Jr. Web Developer</a:t>
+            </a:r>
+          </a:p>
+          <a:p>
+            <a:r>
+              <a:rPr lang="en-US" sz="1200" dirty="0">
+                <a:latin typeface="Times New Roman" pitchFamily="18" charset="0"/>
+                <a:cs typeface="Times New Roman" pitchFamily="18" charset="0"/>
+              </a:rPr>
+              <a:t>Engineers Computing &amp; Computers(ECC)LTD</a:t>
+            </a:r>
+          </a:p>
+          <a:p>
+            <a:endParaRPr lang="en-US" sz="1600" b="1" dirty="0">
+              <a:latin typeface="Times New Roman" pitchFamily="18" charset="0"/>
+              <a:cs typeface="Times New Roman" pitchFamily="18" charset="0"/>
+            </a:endParaRPr>
+          </a:p>
+        </p:txBody>
+      </p:sp>
+      <p:sp>
+        <p:nvSpPr>
+          <p:cNvPr id="47" name="TextBox 46"/>
+          <p:cNvSpPr txBox="1"/>
+          <p:nvPr/>
+        </p:nvSpPr>
+        <p:spPr>
+          <a:xfrm>
+            <a:off x="2244089" y="2690529"/>
+            <a:ext cx="1524000" cy="338554"/>
+          </a:xfrm>
+          <a:prstGeom prst="rect">
+            <a:avLst/>
+          </a:prstGeom>
+          <a:noFill/>
+        </p:spPr>
+        <p:txBody>
+          <a:bodyPr wrap="square" rtlCol="0">
+            <a:spAutoFit/>
+          </a:bodyPr>
+          <a:lstStyle/>
+          <a:p>
+            <a:r>
+              <a:rPr lang="en-US" sz="1600" b="1" dirty="0">
+                <a:latin typeface="Times New Roman" pitchFamily="18" charset="0"/>
+                <a:cs typeface="Times New Roman" pitchFamily="18" charset="0"/>
+              </a:rPr>
+              <a:t>Education</a:t>
+            </a:r>
+          </a:p>
+        </p:txBody>
+      </p:sp>
+      <p:sp>
+        <p:nvSpPr>
+          <p:cNvPr id="52" name="TextBox 51"/>
+          <p:cNvSpPr txBox="1"/>
+          <p:nvPr/>
+        </p:nvSpPr>
+        <p:spPr>
+          <a:xfrm>
+            <a:off x="2254621" y="3005363"/>
+            <a:ext cx="4800600" cy="861774"/>
+          </a:xfrm>
+          <a:prstGeom prst="rect">
+            <a:avLst/>
+          </a:prstGeom>
+          <a:noFill/>
+        </p:spPr>
+        <p:txBody>
+          <a:bodyPr wrap="square" rtlCol="0">
+            <a:spAutoFit/>
+          </a:bodyPr>
+          <a:lstStyle/>
+          <a:p>
+            <a:r>
+              <a:rPr lang="en-US" sz="1200" b="1" dirty="0">
+                <a:latin typeface="Times New Roman" pitchFamily="18" charset="0"/>
+                <a:cs typeface="Times New Roman" pitchFamily="18" charset="0"/>
+              </a:rPr>
+              <a:t>Diploma in Computer Engineering</a:t>
+            </a:r>
+            <a:endParaRPr lang="en-US" sz="1200" dirty="0"/>
+          </a:p>
+          <a:p>
+            <a:r>
+              <a:rPr lang="en-US" sz="1200" dirty="0"/>
+              <a:t>CGPA : Appeared</a:t>
+            </a:r>
+          </a:p>
+          <a:p>
+            <a:r>
+              <a:rPr lang="en-US" sz="1200" dirty="0"/>
+              <a:t>Training-title : Web Design</a:t>
+            </a:r>
+          </a:p>
+          <a:p>
+            <a:r>
+              <a:rPr lang="en-US" sz="1200" dirty="0"/>
+              <a:t>Training-title : Web Development</a:t>
+            </a:r>
+          </a:p>
+        </p:txBody>
+      </p:sp>
+      <p:sp>
+        <p:nvSpPr>
+          <p:cNvPr id="55" name="TextBox 54"/>
+          <p:cNvSpPr txBox="1"/>
+          <p:nvPr/>
+        </p:nvSpPr>
+        <p:spPr>
+          <a:xfrm>
+            <a:off x="2278379" y="3830616"/>
+            <a:ext cx="3581400" cy="646331"/>
+          </a:xfrm>
+          <a:prstGeom prst="rect">
+            <a:avLst/>
+          </a:prstGeom>
+          <a:noFill/>
+        </p:spPr>
+        <p:txBody>
+          <a:bodyPr wrap="square" rtlCol="0">
+            <a:spAutoFit/>
+          </a:bodyPr>
+          <a:lstStyle/>
+          <a:p>
+            <a:r>
+              <a:rPr lang="en-US" sz="1200" b="1" dirty="0">
+                <a:latin typeface="Times New Roman" pitchFamily="18" charset="0"/>
+                <a:cs typeface="Times New Roman" pitchFamily="18" charset="0"/>
+              </a:rPr>
+              <a:t>Secondary School Certificate</a:t>
+            </a:r>
+          </a:p>
+          <a:p>
+            <a:r>
+              <a:rPr lang="en-US" sz="1200" dirty="0"/>
+              <a:t>Group : Vocational</a:t>
+            </a:r>
+          </a:p>
+          <a:p>
+            <a:r>
+              <a:rPr lang="en-US" sz="1200" dirty="0"/>
+              <a:t>CGPA : 4.86 </a:t>
+            </a:r>
+          </a:p>
+        </p:txBody>
+      </p:sp>
+      <p:sp>
+        <p:nvSpPr>
+          <p:cNvPr id="66" name="TextBox 65"/>
+          <p:cNvSpPr txBox="1"/>
+          <p:nvPr/>
+        </p:nvSpPr>
+        <p:spPr>
+          <a:xfrm>
+            <a:off x="2238570" y="6427925"/>
+            <a:ext cx="1752600" cy="338554"/>
+          </a:xfrm>
+          <a:prstGeom prst="rect">
+            <a:avLst/>
+          </a:prstGeom>
+          <a:noFill/>
+        </p:spPr>
+        <p:txBody>
+          <a:bodyPr wrap="square" rtlCol="0">
+            <a:spAutoFit/>
+          </a:bodyPr>
+          <a:lstStyle/>
+          <a:p>
+            <a:r>
+              <a:rPr lang="en-US" sz="1600" b="1" dirty="0">
+                <a:latin typeface="Times New Roman" pitchFamily="18" charset="0"/>
+                <a:cs typeface="Times New Roman" pitchFamily="18" charset="0"/>
+              </a:rPr>
+              <a:t>Reference</a:t>
+            </a:r>
+          </a:p>
+        </p:txBody>
+      </p:sp>
+      <p:sp>
+        <p:nvSpPr>
+          <p:cNvPr id="67" name="TextBox 66"/>
+          <p:cNvSpPr txBox="1"/>
+          <p:nvPr/>
+        </p:nvSpPr>
+        <p:spPr>
+          <a:xfrm>
+            <a:off x="2247576" y="6727923"/>
+            <a:ext cx="3124200" cy="1015663"/>
+          </a:xfrm>
+          <a:prstGeom prst="rect">
+            <a:avLst/>
+          </a:prstGeom>
+          <a:noFill/>
+        </p:spPr>
+        <p:txBody>
+          <a:bodyPr wrap="square" rtlCol="0">
+            <a:spAutoFit/>
+          </a:bodyPr>
+          <a:lstStyle/>
+          <a:p>
+            <a:r>
+              <a:rPr lang="en-US" sz="1200" b="1" dirty="0">
+                <a:latin typeface="Times New Roman" pitchFamily="18" charset="0"/>
+                <a:cs typeface="Times New Roman" pitchFamily="18" charset="0"/>
+              </a:rPr>
+              <a:t>Dr. Sheikh Abu Reza</a:t>
+            </a:r>
+          </a:p>
+          <a:p>
+            <a:r>
+              <a:rPr lang="en-US" sz="1200" dirty="0"/>
+              <a:t>Director</a:t>
+            </a:r>
+          </a:p>
+          <a:p>
+            <a:r>
+              <a:rPr lang="en-US" sz="1200" dirty="0"/>
+              <a:t>Former Director(DTE)</a:t>
+            </a:r>
+          </a:p>
+          <a:p>
+            <a:r>
+              <a:rPr lang="en-US" sz="1200" dirty="0"/>
+              <a:t>Cell: 01711802800</a:t>
+            </a:r>
+          </a:p>
+          <a:p>
+            <a:r>
+              <a:rPr lang="en-US" sz="1200" dirty="0"/>
+              <a:t>E-mail: bteb.reza@gmail.com</a:t>
+            </a:r>
+          </a:p>
+        </p:txBody>
+      </p:sp>
+      <p:sp>
+        <p:nvSpPr>
+          <p:cNvPr id="13" name="Rectangle 12">
+            <a:extLst>
+              <a:ext uri="{FF2B5EF4-FFF2-40B4-BE49-F238E27FC236}">
+                <a16:creationId xmlns:a16="http://schemas.microsoft.com/office/drawing/2014/main" id="{BF0A73A1-89B0-85D2-8C60-CDF1754079DB}"/>
+              </a:ext>
+            </a:extLst>
+          </p:cNvPr>
+          <p:cNvSpPr/>
+          <p:nvPr/>
+        </p:nvSpPr>
+        <p:spPr>
+          <a:xfrm>
+            <a:off x="0" y="0"/>
+            <a:ext cx="2278379" cy="9144000"/>
+          </a:xfrm>
+          <a:prstGeom prst="rect">
+            <a:avLst/>
+          </a:prstGeom>
+          <a:solidFill>
+            <a:srgbClr val="00133A"/>
+          </a:solidFill>
         </p:spPr>
         <p:style>
           <a:lnRef idx="2">
@@ -3100,105 +3888,44 @@
           <a:lstStyle/>
           <a:p>
             <a:pPr algn="ctr"/>
-            <a:endParaRPr lang="en-US" dirty="0"/>
-          </a:p>
-        </p:txBody>
-      </p:sp>
-      <p:sp>
-        <p:nvSpPr>
-          <p:cNvPr id="6" name="TextBox 5"/>
-          <p:cNvSpPr txBox="1"/>
-          <p:nvPr/>
-        </p:nvSpPr>
-        <p:spPr>
-          <a:xfrm>
-            <a:off x="3048000" y="152401"/>
-            <a:ext cx="2286000" cy="461665"/>
-          </a:xfrm>
-          <a:prstGeom prst="rect">
-            <a:avLst/>
-          </a:prstGeom>
-          <a:noFill/>
-        </p:spPr>
-        <p:txBody>
-          <a:bodyPr wrap="square" rtlCol="0">
-            <a:spAutoFit/>
-          </a:bodyPr>
-          <a:lstStyle/>
-          <a:p>
-            <a:r>
-              <a:rPr lang="en-US" sz="2400" b="1" dirty="0" smtClean="0">
-                <a:latin typeface="Times New Roman" pitchFamily="18" charset="0"/>
-                <a:cs typeface="Times New Roman" pitchFamily="18" charset="0"/>
-              </a:rPr>
-              <a:t>Sarra Yasmin</a:t>
-            </a:r>
-            <a:endParaRPr lang="en-US" sz="2400" b="1" dirty="0">
-              <a:latin typeface="Times New Roman" pitchFamily="18" charset="0"/>
-              <a:cs typeface="Times New Roman" pitchFamily="18" charset="0"/>
-            </a:endParaRPr>
-          </a:p>
-        </p:txBody>
-      </p:sp>
-      <p:sp>
-        <p:nvSpPr>
-          <p:cNvPr id="7" name="TextBox 6"/>
-          <p:cNvSpPr txBox="1"/>
-          <p:nvPr/>
-        </p:nvSpPr>
-        <p:spPr>
-          <a:xfrm>
-            <a:off x="3200400" y="609600"/>
-            <a:ext cx="1752600" cy="369332"/>
-          </a:xfrm>
-          <a:prstGeom prst="rect">
-            <a:avLst/>
-          </a:prstGeom>
-          <a:noFill/>
-        </p:spPr>
-        <p:txBody>
-          <a:bodyPr wrap="square" rtlCol="0">
-            <a:spAutoFit/>
-          </a:bodyPr>
-          <a:lstStyle/>
-          <a:p>
-            <a:r>
-              <a:rPr lang="en-US" dirty="0" smtClean="0">
-                <a:latin typeface="Times New Roman" pitchFamily="18" charset="0"/>
-                <a:cs typeface="Times New Roman" pitchFamily="18" charset="0"/>
-              </a:rPr>
-              <a:t>Web Developer</a:t>
-            </a:r>
-            <a:endParaRPr lang="en-US" dirty="0">
-              <a:latin typeface="Times New Roman" pitchFamily="18" charset="0"/>
-              <a:cs typeface="Times New Roman" pitchFamily="18" charset="0"/>
-            </a:endParaRPr>
+            <a:endParaRPr lang="en-US"/>
           </a:p>
         </p:txBody>
       </p:sp>
       <p:cxnSp>
         <p:nvCxnSpPr>
-          <p:cNvPr id="11" name="Straight Connector 10"/>
+          <p:cNvPr id="77" name="Straight Connector 76">
+            <a:extLst>
+              <a:ext uri="{FF2B5EF4-FFF2-40B4-BE49-F238E27FC236}">
+                <a16:creationId xmlns:a16="http://schemas.microsoft.com/office/drawing/2014/main" id="{CD32263E-6295-1091-4691-629B8D37CD0D}"/>
+              </a:ext>
+            </a:extLst>
+          </p:cNvPr>
           <p:cNvCxnSpPr/>
           <p:nvPr/>
         </p:nvCxnSpPr>
         <p:spPr>
           <a:xfrm>
-            <a:off x="1981200" y="1066800"/>
-            <a:ext cx="4724400" cy="1588"/>
+            <a:off x="5436870" y="0"/>
+            <a:ext cx="1447800" cy="0"/>
           </a:xfrm>
           <a:prstGeom prst="line">
             <a:avLst/>
           </a:prstGeom>
+          <a:ln>
+            <a:solidFill>
+              <a:srgbClr val="002060"/>
+            </a:solidFill>
+          </a:ln>
         </p:spPr>
         <p:style>
-          <a:lnRef idx="2">
+          <a:lnRef idx="3">
             <a:schemeClr val="dk1"/>
           </a:lnRef>
           <a:fillRef idx="0">
             <a:schemeClr val="dk1"/>
           </a:fillRef>
-          <a:effectRef idx="1">
+          <a:effectRef idx="2">
             <a:schemeClr val="dk1"/>
           </a:effectRef>
           <a:fontRef idx="minor">
@@ -3206,26 +3933,67 @@
           </a:fontRef>
         </p:style>
       </p:cxnSp>
-      <p:sp>
-        <p:nvSpPr>
-          <p:cNvPr id="17" name="Oval 16"/>
+      <p:cxnSp>
+        <p:nvCxnSpPr>
+          <p:cNvPr id="81" name="Straight Connector 80">
+            <a:extLst>
+              <a:ext uri="{FF2B5EF4-FFF2-40B4-BE49-F238E27FC236}">
+                <a16:creationId xmlns:a16="http://schemas.microsoft.com/office/drawing/2014/main" id="{53BB873E-7A48-107D-F98E-84D1534E3108}"/>
+              </a:ext>
+            </a:extLst>
+          </p:cNvPr>
+          <p:cNvCxnSpPr/>
+          <p:nvPr/>
+        </p:nvCxnSpPr>
+        <p:spPr>
+          <a:xfrm>
+            <a:off x="6858000" y="0"/>
+            <a:ext cx="0" cy="1447800"/>
+          </a:xfrm>
+          <a:prstGeom prst="line">
+            <a:avLst/>
+          </a:prstGeom>
+          <a:ln>
+            <a:solidFill>
+              <a:srgbClr val="002060"/>
+            </a:solidFill>
+          </a:ln>
+        </p:spPr>
+        <p:style>
+          <a:lnRef idx="3">
+            <a:schemeClr val="dk1"/>
+          </a:lnRef>
+          <a:fillRef idx="0">
+            <a:schemeClr val="dk1"/>
+          </a:fillRef>
+          <a:effectRef idx="2">
+            <a:schemeClr val="dk1"/>
+          </a:effectRef>
+          <a:fontRef idx="minor">
+            <a:schemeClr val="tx1"/>
+          </a:fontRef>
+        </p:style>
+      </p:cxnSp>
+      <p:sp>
+        <p:nvSpPr>
+          <p:cNvPr id="82" name="Oval 81">
+            <a:extLst>
+              <a:ext uri="{FF2B5EF4-FFF2-40B4-BE49-F238E27FC236}">
+                <a16:creationId xmlns:a16="http://schemas.microsoft.com/office/drawing/2014/main" id="{0D5AA206-E838-E92A-4D08-C6B596029354}"/>
+              </a:ext>
+            </a:extLst>
+          </p:cNvPr>
           <p:cNvSpPr/>
           <p:nvPr/>
         </p:nvSpPr>
         <p:spPr>
           <a:xfrm>
-            <a:off x="76200" y="78259"/>
-            <a:ext cx="1676400" cy="1674341"/>
+            <a:off x="182034" y="145197"/>
+            <a:ext cx="1921931" cy="1905000"/>
           </a:xfrm>
           <a:prstGeom prst="ellipse">
             <a:avLst/>
           </a:prstGeom>
-          <a:blipFill>
-            <a:blip r:embed="rId2"/>
-            <a:stretch>
-              <a:fillRect/>
-            </a:stretch>
-          </a:blipFill>
         </p:spPr>
         <p:style>
           <a:lnRef idx="2">
@@ -3254,45 +4022,20 @@
       </p:sp>
       <p:sp>
         <p:nvSpPr>
-          <p:cNvPr id="20" name="TextBox 19"/>
+          <p:cNvPr id="83" name="TextBox 82">
+            <a:extLst>
+              <a:ext uri="{FF2B5EF4-FFF2-40B4-BE49-F238E27FC236}">
+                <a16:creationId xmlns:a16="http://schemas.microsoft.com/office/drawing/2014/main" id="{4EB5F2A1-2484-753A-4C69-EC71D00D08EC}"/>
+              </a:ext>
+            </a:extLst>
+          </p:cNvPr>
           <p:cNvSpPr txBox="1"/>
           <p:nvPr/>
         </p:nvSpPr>
         <p:spPr>
           <a:xfrm>
-            <a:off x="0" y="3212068"/>
-            <a:ext cx="304800" cy="369332"/>
-          </a:xfrm>
-          <a:prstGeom prst="rect">
-            <a:avLst/>
-          </a:prstGeom>
-          <a:blipFill>
-            <a:blip r:embed="rId3" cstate="print"/>
-            <a:stretch>
-              <a:fillRect/>
-            </a:stretch>
-          </a:blipFill>
-        </p:spPr>
-        <p:txBody>
-          <a:bodyPr wrap="square" rtlCol="0">
-            <a:spAutoFit/>
-          </a:bodyPr>
-          <a:lstStyle/>
-          <a:p>
-            <a:endParaRPr lang="en-US" dirty="0"/>
-          </a:p>
-        </p:txBody>
-      </p:sp>
-      <p:sp>
-        <p:nvSpPr>
-          <p:cNvPr id="23" name="TextBox 22"/>
-          <p:cNvSpPr txBox="1"/>
-          <p:nvPr/>
-        </p:nvSpPr>
-        <p:spPr>
-          <a:xfrm>
-            <a:off x="304800" y="3134380"/>
-            <a:ext cx="1447800" cy="523220"/>
+            <a:off x="0" y="2278797"/>
+            <a:ext cx="1417318" cy="338554"/>
           </a:xfrm>
           <a:prstGeom prst="rect">
             <a:avLst/>
@@ -3306,43 +4049,48 @@
           <a:lstStyle/>
           <a:p>
             <a:r>
-              <a:rPr lang="en-US" sz="1400" dirty="0" smtClean="0"/>
-              <a:t>Kazipara, Mirpur</a:t>
-            </a:r>
-          </a:p>
-          <a:p>
-            <a:r>
-              <a:rPr lang="en-US" sz="1400" dirty="0" smtClean="0"/>
-              <a:t>Dhaka-1216</a:t>
-            </a:r>
-            <a:endParaRPr lang="en-US" sz="1400" dirty="0"/>
+              <a:rPr lang="en-US" sz="1600" dirty="0">
+                <a:solidFill>
+                  <a:schemeClr val="bg1"/>
+                </a:solidFill>
+              </a:rPr>
+              <a:t>CONTACT</a:t>
+            </a:r>
           </a:p>
         </p:txBody>
       </p:sp>
       <p:cxnSp>
         <p:nvCxnSpPr>
-          <p:cNvPr id="25" name="Straight Connector 24"/>
-          <p:cNvCxnSpPr/>
+          <p:cNvPr id="87" name="Straight Connector 86">
+            <a:extLst>
+              <a:ext uri="{FF2B5EF4-FFF2-40B4-BE49-F238E27FC236}">
+                <a16:creationId xmlns:a16="http://schemas.microsoft.com/office/drawing/2014/main" id="{F95CB66F-AA81-1896-6836-14B24D6E7CAB}"/>
+              </a:ext>
+            </a:extLst>
+          </p:cNvPr>
+          <p:cNvCxnSpPr>
+            <a:cxnSpLocks/>
+          </p:cNvCxnSpPr>
           <p:nvPr/>
         </p:nvCxnSpPr>
         <p:spPr>
           <a:xfrm>
-            <a:off x="76200" y="1828731"/>
-            <a:ext cx="1828800" cy="1657"/>
+            <a:off x="80356" y="2590800"/>
+            <a:ext cx="1905000" cy="0"/>
           </a:xfrm>
           <a:prstGeom prst="line">
             <a:avLst/>
           </a:prstGeom>
         </p:spPr>
         <p:style>
-          <a:lnRef idx="2">
-            <a:schemeClr val="dk1"/>
+          <a:lnRef idx="1">
+            <a:schemeClr val="accent1"/>
           </a:lnRef>
           <a:fillRef idx="0">
-            <a:schemeClr val="dk1"/>
+            <a:schemeClr val="accent1"/>
           </a:fillRef>
-          <a:effectRef idx="1">
-            <a:schemeClr val="dk1"/>
+          <a:effectRef idx="0">
+            <a:schemeClr val="accent1"/>
           </a:effectRef>
           <a:fontRef idx="minor">
             <a:schemeClr val="tx1"/>
@@ -3351,47 +4099,37 @@
       </p:cxnSp>
       <p:sp>
         <p:nvSpPr>
-          <p:cNvPr id="33" name="TextBox 32"/>
+          <p:cNvPr id="94" name="TextBox 93">
+            <a:extLst>
+              <a:ext uri="{FF2B5EF4-FFF2-40B4-BE49-F238E27FC236}">
+                <a16:creationId xmlns:a16="http://schemas.microsoft.com/office/drawing/2014/main" id="{A2D3AA75-AC79-A21F-F7BC-9E2EF9C67B56}"/>
+              </a:ext>
+            </a:extLst>
+          </p:cNvPr>
           <p:cNvSpPr txBox="1"/>
           <p:nvPr/>
         </p:nvSpPr>
         <p:spPr>
           <a:xfrm>
-            <a:off x="304800" y="2057400"/>
-            <a:ext cx="1143000" cy="400110"/>
+            <a:off x="80356" y="3258246"/>
+            <a:ext cx="152400" cy="175978"/>
           </a:xfrm>
           <a:prstGeom prst="rect">
             <a:avLst/>
           </a:prstGeom>
-          <a:gradFill flip="none" rotWithShape="1">
-            <a:gsLst>
-              <a:gs pos="0">
-                <a:srgbClr val="7030A0">
-                  <a:tint val="66000"/>
-                  <a:satMod val="160000"/>
-                </a:srgbClr>
-              </a:gs>
-              <a:gs pos="50000">
-                <a:srgbClr val="7030A0">
-                  <a:tint val="44500"/>
-                  <a:satMod val="160000"/>
-                </a:srgbClr>
-              </a:gs>
-              <a:gs pos="100000">
-                <a:srgbClr val="7030A0">
-                  <a:tint val="23500"/>
-                  <a:satMod val="160000"/>
-                </a:srgbClr>
-              </a:gs>
-            </a:gsLst>
-            <a:lin ang="5400000" scaled="1"/>
-            <a:tileRect/>
-          </a:gradFill>
-          <a:ln>
-            <a:solidFill>
-              <a:schemeClr val="accent1"/>
-            </a:solidFill>
-          </a:ln>
+          <a:blipFill dpi="0" rotWithShape="1">
+            <a:blip r:embed="rId3" cstate="print">
+              <a:extLst>
+                <a:ext uri="{28A0092B-C50C-407E-A947-70E740481C1C}">
+                  <a14:useLocalDpi xmlns:a14="http://schemas.microsoft.com/office/drawing/2010/main" val="0"/>
+                </a:ext>
+              </a:extLst>
+            </a:blip>
+            <a:srcRect/>
+            <a:stretch>
+              <a:fillRect/>
+            </a:stretch>
+          </a:blipFill>
         </p:spPr>
         <p:txBody>
           <a:bodyPr wrap="square" rtlCol="0">
@@ -3399,30 +4137,158 @@
           </a:bodyPr>
           <a:lstStyle/>
           <a:p>
-            <a:r>
-              <a:rPr lang="en-US" sz="2000" b="1" dirty="0" smtClean="0">
-                <a:latin typeface="Times New Roman" pitchFamily="18" charset="0"/>
-                <a:cs typeface="Times New Roman" pitchFamily="18" charset="0"/>
-              </a:rPr>
-              <a:t>Contact</a:t>
-            </a:r>
-            <a:endParaRPr lang="en-US" sz="2000" b="1" dirty="0">
-              <a:latin typeface="Times New Roman" pitchFamily="18" charset="0"/>
-              <a:cs typeface="Times New Roman" pitchFamily="18" charset="0"/>
-            </a:endParaRPr>
-          </a:p>
-        </p:txBody>
-      </p:sp>
-      <p:sp>
-        <p:nvSpPr>
-          <p:cNvPr id="35" name="TextBox 34"/>
+            <a:endParaRPr lang="en-US" dirty="0"/>
+          </a:p>
+        </p:txBody>
+      </p:sp>
+      <p:sp>
+        <p:nvSpPr>
+          <p:cNvPr id="95" name="TextBox 94">
+            <a:extLst>
+              <a:ext uri="{FF2B5EF4-FFF2-40B4-BE49-F238E27FC236}">
+                <a16:creationId xmlns:a16="http://schemas.microsoft.com/office/drawing/2014/main" id="{91B7C363-E38B-A85E-7925-7D818E64BEC3}"/>
+              </a:ext>
+            </a:extLst>
+          </p:cNvPr>
           <p:cNvSpPr txBox="1"/>
           <p:nvPr/>
         </p:nvSpPr>
         <p:spPr>
           <a:xfrm>
-            <a:off x="-76200" y="2514600"/>
-            <a:ext cx="2133600" cy="461665"/>
+            <a:off x="109731" y="2716050"/>
+            <a:ext cx="118869" cy="164905"/>
+          </a:xfrm>
+          <a:prstGeom prst="rect">
+            <a:avLst/>
+          </a:prstGeom>
+          <a:blipFill dpi="0" rotWithShape="1">
+            <a:blip r:embed="rId4" cstate="print">
+              <a:extLst>
+                <a:ext uri="{28A0092B-C50C-407E-A947-70E740481C1C}">
+                  <a14:useLocalDpi xmlns:a14="http://schemas.microsoft.com/office/drawing/2010/main" val="0"/>
+                </a:ext>
+              </a:extLst>
+            </a:blip>
+            <a:srcRect/>
+            <a:stretch>
+              <a:fillRect/>
+            </a:stretch>
+          </a:blipFill>
+        </p:spPr>
+        <p:txBody>
+          <a:bodyPr wrap="square" rtlCol="0">
+            <a:spAutoFit/>
+          </a:bodyPr>
+          <a:lstStyle/>
+          <a:p>
+            <a:endParaRPr lang="en-US" dirty="0"/>
+          </a:p>
+        </p:txBody>
+      </p:sp>
+      <p:sp>
+        <p:nvSpPr>
+          <p:cNvPr id="96" name="TextBox 95">
+            <a:extLst>
+              <a:ext uri="{FF2B5EF4-FFF2-40B4-BE49-F238E27FC236}">
+                <a16:creationId xmlns:a16="http://schemas.microsoft.com/office/drawing/2014/main" id="{3E92F210-599F-BFCC-0D19-0274BF4FEAD6}"/>
+              </a:ext>
+            </a:extLst>
+          </p:cNvPr>
+          <p:cNvSpPr txBox="1"/>
+          <p:nvPr/>
+        </p:nvSpPr>
+        <p:spPr>
+          <a:xfrm>
+            <a:off x="82089" y="3659707"/>
+            <a:ext cx="160237" cy="175978"/>
+          </a:xfrm>
+          <a:prstGeom prst="rect">
+            <a:avLst/>
+          </a:prstGeom>
+          <a:blipFill dpi="0" rotWithShape="1">
+            <a:blip r:embed="rId5" cstate="print">
+              <a:extLst>
+                <a:ext uri="{28A0092B-C50C-407E-A947-70E740481C1C}">
+                  <a14:useLocalDpi xmlns:a14="http://schemas.microsoft.com/office/drawing/2010/main" val="0"/>
+                </a:ext>
+              </a:extLst>
+            </a:blip>
+            <a:srcRect/>
+            <a:stretch>
+              <a:fillRect/>
+            </a:stretch>
+          </a:blipFill>
+        </p:spPr>
+        <p:txBody>
+          <a:bodyPr wrap="square" rtlCol="0">
+            <a:spAutoFit/>
+          </a:bodyPr>
+          <a:lstStyle/>
+          <a:p>
+            <a:endParaRPr lang="en-US" dirty="0"/>
+          </a:p>
+        </p:txBody>
+      </p:sp>
+      <p:sp>
+        <p:nvSpPr>
+          <p:cNvPr id="97" name="TextBox 96">
+            <a:extLst>
+              <a:ext uri="{FF2B5EF4-FFF2-40B4-BE49-F238E27FC236}">
+                <a16:creationId xmlns:a16="http://schemas.microsoft.com/office/drawing/2014/main" id="{7F9A298F-07D7-2482-5BB8-B6FEEAD8181D}"/>
+              </a:ext>
+            </a:extLst>
+          </p:cNvPr>
+          <p:cNvSpPr txBox="1"/>
+          <p:nvPr/>
+        </p:nvSpPr>
+        <p:spPr>
+          <a:xfrm>
+            <a:off x="97195" y="2981976"/>
+            <a:ext cx="131405" cy="175978"/>
+          </a:xfrm>
+          <a:prstGeom prst="rect">
+            <a:avLst/>
+          </a:prstGeom>
+          <a:blipFill dpi="0" rotWithShape="1">
+            <a:blip r:embed="rId6" cstate="print">
+              <a:extLst>
+                <a:ext uri="{28A0092B-C50C-407E-A947-70E740481C1C}">
+                  <a14:useLocalDpi xmlns:a14="http://schemas.microsoft.com/office/drawing/2010/main" val="0"/>
+                </a:ext>
+              </a:extLst>
+            </a:blip>
+            <a:srcRect/>
+            <a:stretch>
+              <a:fillRect/>
+            </a:stretch>
+          </a:blipFill>
+        </p:spPr>
+        <p:txBody>
+          <a:bodyPr wrap="square" rtlCol="0">
+            <a:spAutoFit/>
+          </a:bodyPr>
+          <a:lstStyle/>
+          <a:p>
+            <a:endParaRPr lang="en-US" dirty="0"/>
+          </a:p>
+        </p:txBody>
+      </p:sp>
+      <p:sp>
+        <p:nvSpPr>
+          <p:cNvPr id="98" name="TextBox 97">
+            <a:extLst>
+              <a:ext uri="{FF2B5EF4-FFF2-40B4-BE49-F238E27FC236}">
+                <a16:creationId xmlns:a16="http://schemas.microsoft.com/office/drawing/2014/main" id="{2DD5D309-DDC7-9A84-F9ED-C2204E227DA1}"/>
+              </a:ext>
+            </a:extLst>
+          </p:cNvPr>
+          <p:cNvSpPr txBox="1"/>
+          <p:nvPr/>
+        </p:nvSpPr>
+        <p:spPr>
+          <a:xfrm>
+            <a:off x="204207" y="2681725"/>
+            <a:ext cx="1417318" cy="276999"/>
           </a:xfrm>
           <a:prstGeom prst="rect">
             <a:avLst/>
@@ -3436,78 +4302,32 @@
           <a:lstStyle/>
           <a:p>
             <a:r>
-              <a:rPr lang="en-US" sz="1200" dirty="0" smtClean="0"/>
-              <a:t>Cell: +8801743227006</a:t>
-            </a:r>
-          </a:p>
-          <a:p>
-            <a:r>
-              <a:rPr lang="en-US" sz="1200" dirty="0" smtClean="0"/>
-              <a:t>sarrayasmin0097@gmail.com</a:t>
-            </a:r>
-            <a:endParaRPr lang="en-US" sz="1200" dirty="0"/>
-          </a:p>
-        </p:txBody>
-      </p:sp>
-      <p:sp>
-        <p:nvSpPr>
-          <p:cNvPr id="39" name="TextBox 38"/>
+              <a:rPr lang="en-US" sz="1200" dirty="0">
+                <a:solidFill>
+                  <a:schemeClr val="bg1"/>
+                </a:solidFill>
+              </a:rPr>
+              <a:t>+8801783227006</a:t>
+            </a:r>
+          </a:p>
+        </p:txBody>
+      </p:sp>
+      <p:sp>
+        <p:nvSpPr>
+          <p:cNvPr id="99" name="TextBox 98">
+            <a:extLst>
+              <a:ext uri="{FF2B5EF4-FFF2-40B4-BE49-F238E27FC236}">
+                <a16:creationId xmlns:a16="http://schemas.microsoft.com/office/drawing/2014/main" id="{6CE0017E-0DD2-1A8D-3214-06CE01BD29B8}"/>
+              </a:ext>
+            </a:extLst>
+          </p:cNvPr>
           <p:cNvSpPr txBox="1"/>
           <p:nvPr/>
         </p:nvSpPr>
         <p:spPr>
           <a:xfrm>
-            <a:off x="304800" y="3974068"/>
-            <a:ext cx="1143000" cy="369332"/>
-          </a:xfrm>
-          <a:prstGeom prst="rect">
-            <a:avLst/>
-          </a:prstGeom>
-          <a:gradFill flip="none" rotWithShape="1">
-            <a:gsLst>
-              <a:gs pos="0">
-                <a:srgbClr val="7030A0">
-                  <a:tint val="66000"/>
-                  <a:satMod val="160000"/>
-                </a:srgbClr>
-              </a:gs>
-              <a:gs pos="50000">
-                <a:srgbClr val="7030A0">
-                  <a:tint val="44500"/>
-                  <a:satMod val="160000"/>
-                </a:srgbClr>
-              </a:gs>
-              <a:gs pos="100000">
-                <a:srgbClr val="7030A0">
-                  <a:tint val="23500"/>
-                  <a:satMod val="160000"/>
-                </a:srgbClr>
-              </a:gs>
-            </a:gsLst>
-            <a:lin ang="5400000" scaled="1"/>
-            <a:tileRect/>
-          </a:gradFill>
-        </p:spPr>
-        <p:txBody>
-          <a:bodyPr wrap="square" rtlCol="0">
-            <a:spAutoFit/>
-          </a:bodyPr>
-          <a:lstStyle/>
-          <a:p>
-            <a:endParaRPr lang="en-US" dirty="0"/>
-          </a:p>
-        </p:txBody>
-      </p:sp>
-      <p:sp>
-        <p:nvSpPr>
-          <p:cNvPr id="40" name="TextBox 39"/>
-          <p:cNvSpPr txBox="1"/>
-          <p:nvPr/>
-        </p:nvSpPr>
-        <p:spPr>
-          <a:xfrm>
-            <a:off x="457200" y="3974068"/>
-            <a:ext cx="1295400" cy="369332"/>
+            <a:off x="220556" y="2938672"/>
+            <a:ext cx="1837265" cy="276999"/>
           </a:xfrm>
           <a:prstGeom prst="rect">
             <a:avLst/>
@@ -3521,29 +4341,32 @@
           <a:lstStyle/>
           <a:p>
             <a:r>
-              <a:rPr lang="en-US" b="1" dirty="0" smtClean="0">
-                <a:latin typeface="Times New Roman" pitchFamily="18" charset="0"/>
-                <a:cs typeface="Times New Roman" pitchFamily="18" charset="0"/>
+              <a:rPr lang="en-US" sz="1200" dirty="0">
+                <a:solidFill>
+                  <a:schemeClr val="bg1"/>
+                </a:solidFill>
               </a:rPr>
-              <a:t>Profile</a:t>
-            </a:r>
-            <a:endParaRPr lang="en-US" b="1" dirty="0">
-              <a:latin typeface="Times New Roman" pitchFamily="18" charset="0"/>
-              <a:cs typeface="Times New Roman" pitchFamily="18" charset="0"/>
-            </a:endParaRPr>
-          </a:p>
-        </p:txBody>
-      </p:sp>
-      <p:sp>
-        <p:nvSpPr>
-          <p:cNvPr id="41" name="TextBox 40"/>
+              <a:t>sarrayasmin@gmail.com</a:t>
+            </a:r>
+          </a:p>
+        </p:txBody>
+      </p:sp>
+      <p:sp>
+        <p:nvSpPr>
+          <p:cNvPr id="101" name="TextBox 100">
+            <a:extLst>
+              <a:ext uri="{FF2B5EF4-FFF2-40B4-BE49-F238E27FC236}">
+                <a16:creationId xmlns:a16="http://schemas.microsoft.com/office/drawing/2014/main" id="{1EDC3ACF-96AD-0E44-3078-F0E20AE56799}"/>
+              </a:ext>
+            </a:extLst>
+          </p:cNvPr>
           <p:cNvSpPr txBox="1"/>
           <p:nvPr/>
         </p:nvSpPr>
         <p:spPr>
           <a:xfrm>
-            <a:off x="0" y="4514433"/>
-            <a:ext cx="1828800" cy="2800767"/>
+            <a:off x="220140" y="3200400"/>
+            <a:ext cx="1828800" cy="646331"/>
           </a:xfrm>
           <a:prstGeom prst="rect">
             <a:avLst/>
@@ -3557,46 +4380,213 @@
           <a:lstStyle/>
           <a:p>
             <a:r>
-              <a:rPr lang="en-US" sz="1600" dirty="0" smtClean="0"/>
-              <a:t>To Secure a Challenging</a:t>
-            </a:r>
-          </a:p>
-          <a:p>
-            <a:r>
-              <a:rPr lang="en-US" sz="1600" dirty="0" smtClean="0"/>
-              <a:t>Posting in my Career by filly utilizing my traning</a:t>
-            </a:r>
-            <a:r>
-              <a:rPr lang="en-US" sz="1600" dirty="0"/>
-              <a:t> </a:t>
-            </a:r>
-            <a:r>
-              <a:rPr lang="en-US" sz="1600" dirty="0" smtClean="0"/>
-              <a:t>and skills creating a positive my skills more aswell as contribute to the succes of company</a:t>
-            </a:r>
-          </a:p>
-          <a:p>
-            <a:endParaRPr lang="en-US" sz="1600" dirty="0"/>
-          </a:p>
-        </p:txBody>
-      </p:sp>
-      <p:sp>
-        <p:nvSpPr>
-          <p:cNvPr id="42" name="Oval 41"/>
+              <a:rPr lang="en-US" sz="1200" dirty="0">
+                <a:solidFill>
+                  <a:schemeClr val="bg1"/>
+                </a:solidFill>
+              </a:rPr>
+              <a:t>Kazipara, Mirpur-10, Dhaka-1216</a:t>
+            </a:r>
+          </a:p>
+          <a:p>
+            <a:endParaRPr lang="en-US" sz="1200" dirty="0">
+              <a:solidFill>
+                <a:schemeClr val="bg1"/>
+              </a:solidFill>
+            </a:endParaRPr>
+          </a:p>
+        </p:txBody>
+      </p:sp>
+      <p:sp>
+        <p:nvSpPr>
+          <p:cNvPr id="105" name="TextBox 104">
+            <a:extLst>
+              <a:ext uri="{FF2B5EF4-FFF2-40B4-BE49-F238E27FC236}">
+                <a16:creationId xmlns:a16="http://schemas.microsoft.com/office/drawing/2014/main" id="{0AA66C5E-73FA-F631-3BCE-BAC79E054CDE}"/>
+              </a:ext>
+            </a:extLst>
+          </p:cNvPr>
+          <p:cNvSpPr txBox="1"/>
+          <p:nvPr/>
+        </p:nvSpPr>
+        <p:spPr>
+          <a:xfrm>
+            <a:off x="220140" y="3606588"/>
+            <a:ext cx="1921930" cy="276999"/>
+          </a:xfrm>
+          <a:prstGeom prst="rect">
+            <a:avLst/>
+          </a:prstGeom>
+          <a:noFill/>
+        </p:spPr>
+        <p:txBody>
+          <a:bodyPr wrap="square" rtlCol="0">
+            <a:spAutoFit/>
+          </a:bodyPr>
+          <a:lstStyle/>
+          <a:p>
+            <a:r>
+              <a:rPr lang="en-US" sz="1200" dirty="0">
+                <a:solidFill>
+                  <a:schemeClr val="bg1"/>
+                </a:solidFill>
+              </a:rPr>
+              <a:t>github.com/sarrayasmin</a:t>
+            </a:r>
+          </a:p>
+        </p:txBody>
+      </p:sp>
+      <p:sp>
+        <p:nvSpPr>
+          <p:cNvPr id="106" name="TextBox 105">
+            <a:extLst>
+              <a:ext uri="{FF2B5EF4-FFF2-40B4-BE49-F238E27FC236}">
+                <a16:creationId xmlns:a16="http://schemas.microsoft.com/office/drawing/2014/main" id="{A4FF51CD-8B67-DA9E-9318-02FE1F6772E1}"/>
+              </a:ext>
+            </a:extLst>
+          </p:cNvPr>
+          <p:cNvSpPr txBox="1"/>
+          <p:nvPr/>
+        </p:nvSpPr>
+        <p:spPr>
+          <a:xfrm>
+            <a:off x="19052" y="4149072"/>
+            <a:ext cx="1417318" cy="338554"/>
+          </a:xfrm>
+          <a:prstGeom prst="rect">
+            <a:avLst/>
+          </a:prstGeom>
+          <a:noFill/>
+        </p:spPr>
+        <p:txBody>
+          <a:bodyPr wrap="square" rtlCol="0">
+            <a:spAutoFit/>
+          </a:bodyPr>
+          <a:lstStyle/>
+          <a:p>
+            <a:r>
+              <a:rPr lang="en-US" sz="1600" dirty="0">
+                <a:solidFill>
+                  <a:schemeClr val="bg1"/>
+                </a:solidFill>
+              </a:rPr>
+              <a:t>SKILLS</a:t>
+            </a:r>
+          </a:p>
+        </p:txBody>
+      </p:sp>
+      <p:cxnSp>
+        <p:nvCxnSpPr>
+          <p:cNvPr id="119" name="Straight Connector 118">
+            <a:extLst>
+              <a:ext uri="{FF2B5EF4-FFF2-40B4-BE49-F238E27FC236}">
+                <a16:creationId xmlns:a16="http://schemas.microsoft.com/office/drawing/2014/main" id="{F1FCA5AE-403E-74BF-7231-2A1F9857D04F}"/>
+              </a:ext>
+            </a:extLst>
+          </p:cNvPr>
+          <p:cNvCxnSpPr>
+            <a:cxnSpLocks/>
+          </p:cNvCxnSpPr>
+          <p:nvPr/>
+        </p:nvCxnSpPr>
+        <p:spPr>
+          <a:xfrm>
+            <a:off x="80356" y="4457700"/>
+            <a:ext cx="1905000" cy="0"/>
+          </a:xfrm>
+          <a:prstGeom prst="line">
+            <a:avLst/>
+          </a:prstGeom>
+        </p:spPr>
+        <p:style>
+          <a:lnRef idx="1">
+            <a:schemeClr val="accent1"/>
+          </a:lnRef>
+          <a:fillRef idx="0">
+            <a:schemeClr val="accent1"/>
+          </a:fillRef>
+          <a:effectRef idx="0">
+            <a:schemeClr val="accent1"/>
+          </a:effectRef>
+          <a:fontRef idx="minor">
+            <a:schemeClr val="tx1"/>
+          </a:fontRef>
+        </p:style>
+      </p:cxnSp>
+      <p:sp>
+        <p:nvSpPr>
+          <p:cNvPr id="120" name="TextBox 119">
+            <a:extLst>
+              <a:ext uri="{FF2B5EF4-FFF2-40B4-BE49-F238E27FC236}">
+                <a16:creationId xmlns:a16="http://schemas.microsoft.com/office/drawing/2014/main" id="{707E968F-0F17-A7B0-BD95-931C13DA881F}"/>
+              </a:ext>
+            </a:extLst>
+          </p:cNvPr>
+          <p:cNvSpPr txBox="1"/>
+          <p:nvPr/>
+        </p:nvSpPr>
+        <p:spPr>
+          <a:xfrm>
+            <a:off x="0" y="4515115"/>
+            <a:ext cx="2129444" cy="461665"/>
+          </a:xfrm>
+          <a:prstGeom prst="rect">
+            <a:avLst/>
+          </a:prstGeom>
+          <a:noFill/>
+        </p:spPr>
+        <p:txBody>
+          <a:bodyPr wrap="square" rtlCol="0">
+            <a:spAutoFit/>
+          </a:bodyPr>
+          <a:lstStyle/>
+          <a:p>
+            <a:r>
+              <a:rPr lang="en-US" sz="1200" dirty="0">
+                <a:solidFill>
+                  <a:schemeClr val="bg1"/>
+                </a:solidFill>
+              </a:rPr>
+              <a:t>Web Design</a:t>
+            </a:r>
+          </a:p>
+          <a:p>
+            <a:endParaRPr lang="en-US" sz="1200" dirty="0">
+              <a:solidFill>
+                <a:schemeClr val="bg1"/>
+              </a:solidFill>
+            </a:endParaRPr>
+          </a:p>
+        </p:txBody>
+      </p:sp>
+      <p:sp>
+        <p:nvSpPr>
+          <p:cNvPr id="121" name="Rectangle 120">
+            <a:extLst>
+              <a:ext uri="{FF2B5EF4-FFF2-40B4-BE49-F238E27FC236}">
+                <a16:creationId xmlns:a16="http://schemas.microsoft.com/office/drawing/2014/main" id="{E958F360-1AC0-7442-D9AB-C8AA3A42A39F}"/>
+              </a:ext>
+            </a:extLst>
+          </p:cNvPr>
           <p:cNvSpPr/>
           <p:nvPr/>
         </p:nvSpPr>
         <p:spPr>
           <a:xfrm>
-            <a:off x="2209800" y="1828800"/>
-            <a:ext cx="152400" cy="152400"/>
-          </a:xfrm>
-          <a:prstGeom prst="ellipse">
+            <a:off x="64772" y="4796254"/>
+            <a:ext cx="2129444" cy="152400"/>
+          </a:xfrm>
+          <a:prstGeom prst="rect">
             <a:avLst/>
           </a:prstGeom>
           <a:solidFill>
-            <a:srgbClr val="0070C0"/>
+            <a:schemeClr val="bg2"/>
           </a:solidFill>
+          <a:ln>
+            <a:solidFill>
+              <a:schemeClr val="bg1"/>
+            </a:solidFill>
+          </a:ln>
         </p:spPr>
         <p:style>
           <a:lnRef idx="2">
@@ -3625,42 +4615,32 @@
       </p:sp>
       <p:sp>
         <p:nvSpPr>
-          <p:cNvPr id="43" name="Rectangle 42"/>
+          <p:cNvPr id="122" name="Rectangle 121">
+            <a:extLst>
+              <a:ext uri="{FF2B5EF4-FFF2-40B4-BE49-F238E27FC236}">
+                <a16:creationId xmlns:a16="http://schemas.microsoft.com/office/drawing/2014/main" id="{09B1B246-D32B-B4A9-09E6-6C6F374B0F26}"/>
+              </a:ext>
+            </a:extLst>
+          </p:cNvPr>
           <p:cNvSpPr/>
           <p:nvPr/>
         </p:nvSpPr>
         <p:spPr>
           <a:xfrm>
-            <a:off x="3048000" y="1143000"/>
-            <a:ext cx="1828800" cy="457200"/>
+            <a:off x="64772" y="5342109"/>
+            <a:ext cx="2129444" cy="152400"/>
           </a:xfrm>
           <a:prstGeom prst="rect">
             <a:avLst/>
           </a:prstGeom>
-          <a:gradFill flip="none" rotWithShape="1">
-            <a:gsLst>
-              <a:gs pos="0">
-                <a:srgbClr val="7030A0">
-                  <a:tint val="66000"/>
-                  <a:satMod val="160000"/>
-                </a:srgbClr>
-              </a:gs>
-              <a:gs pos="50000">
-                <a:srgbClr val="7030A0">
-                  <a:tint val="44500"/>
-                  <a:satMod val="160000"/>
-                </a:srgbClr>
-              </a:gs>
-              <a:gs pos="100000">
-                <a:srgbClr val="7030A0">
-                  <a:tint val="23500"/>
-                  <a:satMod val="160000"/>
-                </a:srgbClr>
-              </a:gs>
-            </a:gsLst>
-            <a:lin ang="5400000" scaled="1"/>
-            <a:tileRect/>
-          </a:gradFill>
+          <a:solidFill>
+            <a:schemeClr val="bg1"/>
+          </a:solidFill>
+          <a:ln>
+            <a:solidFill>
+              <a:schemeClr val="bg1"/>
+            </a:solidFill>
+          </a:ln>
         </p:spPr>
         <p:style>
           <a:lnRef idx="2">
@@ -3689,125 +4669,32 @@
       </p:sp>
       <p:sp>
         <p:nvSpPr>
-          <p:cNvPr id="44" name="TextBox 43"/>
-          <p:cNvSpPr txBox="1"/>
+          <p:cNvPr id="125" name="Rectangle 124">
+            <a:extLst>
+              <a:ext uri="{FF2B5EF4-FFF2-40B4-BE49-F238E27FC236}">
+                <a16:creationId xmlns:a16="http://schemas.microsoft.com/office/drawing/2014/main" id="{42829359-F6FA-FD3D-C082-FFD7667FDBAE}"/>
+              </a:ext>
+            </a:extLst>
+          </p:cNvPr>
+          <p:cNvSpPr/>
           <p:nvPr/>
         </p:nvSpPr>
         <p:spPr>
           <a:xfrm>
-            <a:off x="3276600" y="1143000"/>
-            <a:ext cx="1600200" cy="400110"/>
+            <a:off x="57151" y="4797552"/>
+            <a:ext cx="1940812" cy="156571"/>
           </a:xfrm>
           <a:prstGeom prst="rect">
             <a:avLst/>
           </a:prstGeom>
-          <a:noFill/>
-        </p:spPr>
-        <p:txBody>
-          <a:bodyPr wrap="square" rtlCol="0">
-            <a:spAutoFit/>
-          </a:bodyPr>
-          <a:lstStyle/>
-          <a:p>
-            <a:r>
-              <a:rPr lang="en-US" sz="2000" b="1" dirty="0" smtClean="0">
-                <a:latin typeface="Times New Roman" pitchFamily="18" charset="0"/>
-                <a:cs typeface="Times New Roman" pitchFamily="18" charset="0"/>
-              </a:rPr>
-              <a:t>Experience</a:t>
-            </a:r>
-            <a:endParaRPr lang="en-US" sz="2000" b="1" dirty="0">
-              <a:latin typeface="Times New Roman" pitchFamily="18" charset="0"/>
-              <a:cs typeface="Times New Roman" pitchFamily="18" charset="0"/>
-            </a:endParaRPr>
-          </a:p>
-        </p:txBody>
-      </p:sp>
-      <p:sp>
-        <p:nvSpPr>
-          <p:cNvPr id="45" name="TextBox 44"/>
-          <p:cNvSpPr txBox="1"/>
-          <p:nvPr/>
-        </p:nvSpPr>
-        <p:spPr>
-          <a:xfrm>
-            <a:off x="2362200" y="1752600"/>
-            <a:ext cx="4038600" cy="830997"/>
-          </a:xfrm>
-          <a:prstGeom prst="rect">
-            <a:avLst/>
-          </a:prstGeom>
-          <a:noFill/>
-        </p:spPr>
-        <p:txBody>
-          <a:bodyPr wrap="square" rtlCol="0">
-            <a:spAutoFit/>
-          </a:bodyPr>
-          <a:lstStyle/>
-          <a:p>
-            <a:r>
-              <a:rPr lang="en-US" sz="1600" b="1" dirty="0" smtClean="0">
-                <a:latin typeface="Times New Roman" pitchFamily="18" charset="0"/>
-                <a:cs typeface="Times New Roman" pitchFamily="18" charset="0"/>
-              </a:rPr>
-              <a:t>Jr. Web Developer</a:t>
-            </a:r>
-          </a:p>
-          <a:p>
-            <a:r>
-              <a:rPr lang="en-US" sz="1600" dirty="0" smtClean="0">
-                <a:latin typeface="Times New Roman" pitchFamily="18" charset="0"/>
-                <a:cs typeface="Times New Roman" pitchFamily="18" charset="0"/>
-              </a:rPr>
-              <a:t>Engineers Computing &amp; Computers(ECC)LTD</a:t>
-            </a:r>
-          </a:p>
-          <a:p>
-            <a:endParaRPr lang="en-US" sz="1600" b="1" dirty="0">
-              <a:latin typeface="Times New Roman" pitchFamily="18" charset="0"/>
-              <a:cs typeface="Times New Roman" pitchFamily="18" charset="0"/>
-            </a:endParaRPr>
-          </a:p>
-        </p:txBody>
-      </p:sp>
-      <p:sp>
-        <p:nvSpPr>
-          <p:cNvPr id="46" name="Rectangle 45"/>
-          <p:cNvSpPr/>
-          <p:nvPr/>
-        </p:nvSpPr>
-        <p:spPr>
-          <a:xfrm>
-            <a:off x="3124200" y="2438400"/>
-            <a:ext cx="1828800" cy="457200"/>
-          </a:xfrm>
-          <a:prstGeom prst="rect">
-            <a:avLst/>
-          </a:prstGeom>
-          <a:gradFill flip="none" rotWithShape="1">
-            <a:gsLst>
-              <a:gs pos="0">
-                <a:srgbClr val="7030A0">
-                  <a:tint val="66000"/>
-                  <a:satMod val="160000"/>
-                </a:srgbClr>
-              </a:gs>
-              <a:gs pos="50000">
-                <a:srgbClr val="7030A0">
-                  <a:tint val="44500"/>
-                  <a:satMod val="160000"/>
-                </a:srgbClr>
-              </a:gs>
-              <a:gs pos="100000">
-                <a:srgbClr val="7030A0">
-                  <a:tint val="23500"/>
-                  <a:satMod val="160000"/>
-                </a:srgbClr>
-              </a:gs>
-            </a:gsLst>
-            <a:lin ang="5400000" scaled="1"/>
-            <a:tileRect/>
-          </a:gradFill>
+          <a:solidFill>
+            <a:srgbClr val="336699"/>
+          </a:solidFill>
+          <a:ln>
+            <a:solidFill>
+              <a:srgbClr val="336699"/>
+            </a:solidFill>
+          </a:ln>
         </p:spPr>
         <p:style>
           <a:lnRef idx="2">
@@ -3830,20 +4717,72 @@
           <a:lstStyle/>
           <a:p>
             <a:pPr algn="ctr"/>
-            <a:endParaRPr lang="en-US"/>
-          </a:p>
-        </p:txBody>
-      </p:sp>
-      <p:sp>
-        <p:nvSpPr>
-          <p:cNvPr id="47" name="TextBox 46"/>
+            <a:endParaRPr lang="en-US">
+              <a:ln w="0">
+                <a:solidFill>
+                  <a:schemeClr val="tx2"/>
+                </a:solidFill>
+              </a:ln>
+              <a:solidFill>
+                <a:schemeClr val="tx1"/>
+              </a:solidFill>
+              <a:effectLst>
+                <a:outerShdw blurRad="38100" dist="19050" dir="2700000" algn="tl" rotWithShape="0">
+                  <a:schemeClr val="dk1">
+                    <a:alpha val="40000"/>
+                  </a:schemeClr>
+                </a:outerShdw>
+              </a:effectLst>
+            </a:endParaRPr>
+          </a:p>
+        </p:txBody>
+      </p:sp>
+      <p:pic>
+        <p:nvPicPr>
+          <p:cNvPr id="126" name="Picture 125">
+            <a:extLst>
+              <a:ext uri="{FF2B5EF4-FFF2-40B4-BE49-F238E27FC236}">
+                <a16:creationId xmlns:a16="http://schemas.microsoft.com/office/drawing/2014/main" id="{F2EED4B0-DD1A-0F11-9A20-D779A0F7FB86}"/>
+              </a:ext>
+            </a:extLst>
+          </p:cNvPr>
+          <p:cNvPicPr>
+            <a:picLocks noChangeAspect="1"/>
+          </p:cNvPicPr>
+          <p:nvPr/>
+        </p:nvPicPr>
+        <p:blipFill>
+          <a:blip r:embed="rId7"/>
+          <a:stretch>
+            <a:fillRect/>
+          </a:stretch>
+        </p:blipFill>
+        <p:spPr>
+          <a:xfrm>
+            <a:off x="42781" y="5317639"/>
+            <a:ext cx="1771649" cy="190972"/>
+          </a:xfrm>
+          <a:prstGeom prst="rect">
+            <a:avLst/>
+          </a:prstGeom>
+        </p:spPr>
+      </p:pic>
+      <p:sp>
+        <p:nvSpPr>
+          <p:cNvPr id="127" name="TextBox 126">
+            <a:extLst>
+              <a:ext uri="{FF2B5EF4-FFF2-40B4-BE49-F238E27FC236}">
+                <a16:creationId xmlns:a16="http://schemas.microsoft.com/office/drawing/2014/main" id="{53CF98CE-8FCC-8ACF-B713-766C25B2DC99}"/>
+              </a:ext>
+            </a:extLst>
+          </p:cNvPr>
           <p:cNvSpPr txBox="1"/>
           <p:nvPr/>
         </p:nvSpPr>
         <p:spPr>
           <a:xfrm>
-            <a:off x="3352800" y="2438400"/>
-            <a:ext cx="1524000" cy="400110"/>
+            <a:off x="-29564" y="5001589"/>
+            <a:ext cx="1541169" cy="276999"/>
           </a:xfrm>
           <a:prstGeom prst="rect">
             <a:avLst/>
@@ -3857,36 +4796,261 @@
           <a:lstStyle/>
           <a:p>
             <a:r>
-              <a:rPr lang="en-US" sz="2000" b="1" dirty="0" smtClean="0">
-                <a:latin typeface="Times New Roman" pitchFamily="18" charset="0"/>
-                <a:cs typeface="Times New Roman" pitchFamily="18" charset="0"/>
+              <a:rPr lang="en-US" sz="1200" dirty="0">
+                <a:solidFill>
+                  <a:schemeClr val="bg1"/>
+                </a:solidFill>
               </a:rPr>
-              <a:t>Education</a:t>
-            </a:r>
-            <a:endParaRPr lang="en-US" sz="2000" b="1" dirty="0">
-              <a:latin typeface="Times New Roman" pitchFamily="18" charset="0"/>
-              <a:cs typeface="Times New Roman" pitchFamily="18" charset="0"/>
-            </a:endParaRPr>
-          </a:p>
-        </p:txBody>
-      </p:sp>
-      <p:sp>
-        <p:nvSpPr>
-          <p:cNvPr id="49" name="Rectangle 48"/>
-          <p:cNvSpPr/>
+              <a:t>Web Development</a:t>
+            </a:r>
+          </a:p>
+        </p:txBody>
+      </p:sp>
+      <p:cxnSp>
+        <p:nvCxnSpPr>
+          <p:cNvPr id="129" name="Straight Connector 128">
+            <a:extLst>
+              <a:ext uri="{FF2B5EF4-FFF2-40B4-BE49-F238E27FC236}">
+                <a16:creationId xmlns:a16="http://schemas.microsoft.com/office/drawing/2014/main" id="{6CCE7232-D706-E1D9-067E-309025809651}"/>
+              </a:ext>
+            </a:extLst>
+          </p:cNvPr>
+          <p:cNvCxnSpPr>
+            <a:cxnSpLocks/>
+          </p:cNvCxnSpPr>
           <p:nvPr/>
-        </p:nvSpPr>
-        <p:spPr>
-          <a:xfrm>
-            <a:off x="2209800" y="3124200"/>
-            <a:ext cx="152400" cy="152400"/>
+        </p:nvCxnSpPr>
+        <p:spPr>
+          <a:xfrm>
+            <a:off x="2348777" y="609600"/>
+            <a:ext cx="3811993" cy="0"/>
+          </a:xfrm>
+          <a:prstGeom prst="line">
+            <a:avLst/>
+          </a:prstGeom>
+        </p:spPr>
+        <p:style>
+          <a:lnRef idx="2">
+            <a:schemeClr val="dk1"/>
+          </a:lnRef>
+          <a:fillRef idx="0">
+            <a:schemeClr val="dk1"/>
+          </a:fillRef>
+          <a:effectRef idx="1">
+            <a:schemeClr val="dk1"/>
+          </a:effectRef>
+          <a:fontRef idx="minor">
+            <a:schemeClr val="tx1"/>
+          </a:fontRef>
+        </p:style>
+      </p:cxnSp>
+      <p:sp>
+        <p:nvSpPr>
+          <p:cNvPr id="132" name="TextBox 131">
+            <a:extLst>
+              <a:ext uri="{FF2B5EF4-FFF2-40B4-BE49-F238E27FC236}">
+                <a16:creationId xmlns:a16="http://schemas.microsoft.com/office/drawing/2014/main" id="{58487636-C8AC-FE58-16A7-7AA2405A5A50}"/>
+              </a:ext>
+            </a:extLst>
+          </p:cNvPr>
+          <p:cNvSpPr txBox="1"/>
+          <p:nvPr/>
+        </p:nvSpPr>
+        <p:spPr>
+          <a:xfrm>
+            <a:off x="2278379" y="1075975"/>
+            <a:ext cx="4661623" cy="1015663"/>
           </a:xfrm>
           <a:prstGeom prst="rect">
             <a:avLst/>
           </a:prstGeom>
+          <a:noFill/>
+        </p:spPr>
+        <p:txBody>
+          <a:bodyPr wrap="square" rtlCol="0">
+            <a:spAutoFit/>
+          </a:bodyPr>
+          <a:lstStyle/>
+          <a:p>
+            <a:r>
+              <a:rPr lang="en-US" sz="1200" dirty="0"/>
+              <a:t>I am seeking employment in IT sector specially web development,in a position that requires a skilled, dedicated,young &amp;enthusiastic employee. Able to work as part of a team ,have both hard &amp; soft skill,learn from others and develop as a professional</a:t>
+            </a:r>
+            <a:r>
+              <a:rPr lang="en-US" sz="1000" dirty="0"/>
+              <a:t>.</a:t>
+            </a:r>
+          </a:p>
+          <a:p>
+            <a:endParaRPr lang="en-US" sz="1200" dirty="0"/>
+          </a:p>
+        </p:txBody>
+      </p:sp>
+      <p:sp>
+        <p:nvSpPr>
+          <p:cNvPr id="133" name="TextBox 132">
+            <a:extLst>
+              <a:ext uri="{FF2B5EF4-FFF2-40B4-BE49-F238E27FC236}">
+                <a16:creationId xmlns:a16="http://schemas.microsoft.com/office/drawing/2014/main" id="{B8D8BB85-41E2-C67A-09E6-93844E39843E}"/>
+              </a:ext>
+            </a:extLst>
+          </p:cNvPr>
+          <p:cNvSpPr txBox="1"/>
+          <p:nvPr/>
+        </p:nvSpPr>
+        <p:spPr>
+          <a:xfrm>
+            <a:off x="2261040" y="769537"/>
+            <a:ext cx="3430121" cy="584775"/>
+          </a:xfrm>
+          <a:prstGeom prst="rect">
+            <a:avLst/>
+          </a:prstGeom>
+          <a:noFill/>
+        </p:spPr>
+        <p:txBody>
+          <a:bodyPr wrap="square" rtlCol="0">
+            <a:spAutoFit/>
+          </a:bodyPr>
+          <a:lstStyle/>
+          <a:p>
+            <a:r>
+              <a:rPr lang="en-US" sz="1600" b="1" dirty="0">
+                <a:solidFill>
+                  <a:schemeClr val="tx2"/>
+                </a:solidFill>
+              </a:rPr>
+              <a:t>Personal Statement</a:t>
+            </a:r>
+          </a:p>
+          <a:p>
+            <a:endParaRPr lang="en-US" sz="1600" dirty="0"/>
+          </a:p>
+        </p:txBody>
+      </p:sp>
+      <p:sp>
+        <p:nvSpPr>
+          <p:cNvPr id="134" name="TextBox 133">
+            <a:extLst>
+              <a:ext uri="{FF2B5EF4-FFF2-40B4-BE49-F238E27FC236}">
+                <a16:creationId xmlns:a16="http://schemas.microsoft.com/office/drawing/2014/main" id="{95329759-B5BC-0314-21E6-6BF0FF25A6F3}"/>
+              </a:ext>
+            </a:extLst>
+          </p:cNvPr>
+          <p:cNvSpPr txBox="1"/>
+          <p:nvPr/>
+        </p:nvSpPr>
+        <p:spPr>
+          <a:xfrm>
+            <a:off x="2272033" y="4518030"/>
+            <a:ext cx="3899623" cy="338554"/>
+          </a:xfrm>
+          <a:prstGeom prst="rect">
+            <a:avLst/>
+          </a:prstGeom>
+          <a:noFill/>
+        </p:spPr>
+        <p:txBody>
+          <a:bodyPr wrap="square" rtlCol="0">
+            <a:spAutoFit/>
+          </a:bodyPr>
+          <a:lstStyle/>
+          <a:p>
+            <a:r>
+              <a:rPr lang="en-US" sz="1600" b="1" dirty="0">
+                <a:solidFill>
+                  <a:schemeClr val="tx2"/>
+                </a:solidFill>
+              </a:rPr>
+              <a:t>Personal Attributes</a:t>
+            </a:r>
+          </a:p>
+        </p:txBody>
+      </p:sp>
+      <p:sp>
+        <p:nvSpPr>
+          <p:cNvPr id="135" name="TextBox 134">
+            <a:extLst>
+              <a:ext uri="{FF2B5EF4-FFF2-40B4-BE49-F238E27FC236}">
+                <a16:creationId xmlns:a16="http://schemas.microsoft.com/office/drawing/2014/main" id="{CA795E78-286B-06ED-2216-8BC50E763B36}"/>
+              </a:ext>
+            </a:extLst>
+          </p:cNvPr>
+          <p:cNvSpPr txBox="1"/>
+          <p:nvPr/>
+        </p:nvSpPr>
+        <p:spPr>
+          <a:xfrm>
+            <a:off x="2425327" y="4820096"/>
+            <a:ext cx="4490171" cy="1107996"/>
+          </a:xfrm>
+          <a:prstGeom prst="rect">
+            <a:avLst/>
+          </a:prstGeom>
+          <a:noFill/>
+        </p:spPr>
+        <p:txBody>
+          <a:bodyPr wrap="square" rtlCol="0">
+            <a:spAutoFit/>
+          </a:bodyPr>
+          <a:lstStyle/>
+          <a:p>
+            <a:r>
+              <a:rPr lang="en-US" sz="1200" dirty="0"/>
+              <a:t>Adaptibility</a:t>
+            </a:r>
+          </a:p>
+          <a:p>
+            <a:r>
+              <a:rPr lang="en-US" sz="1200" dirty="0"/>
+              <a:t>Quick Learner</a:t>
+            </a:r>
+          </a:p>
+          <a:p>
+            <a:r>
+              <a:rPr lang="en-US" sz="1200" dirty="0"/>
+              <a:t>Punctuality</a:t>
+            </a:r>
+          </a:p>
+          <a:p>
+            <a:r>
+              <a:rPr lang="en-US" sz="1200" dirty="0"/>
+              <a:t>Honesty</a:t>
+            </a:r>
+          </a:p>
+          <a:p>
+            <a:endParaRPr lang="en-US" dirty="0"/>
+          </a:p>
+        </p:txBody>
+      </p:sp>
+      <p:sp>
+        <p:nvSpPr>
+          <p:cNvPr id="136" name="Oval 135">
+            <a:extLst>
+              <a:ext uri="{FF2B5EF4-FFF2-40B4-BE49-F238E27FC236}">
+                <a16:creationId xmlns:a16="http://schemas.microsoft.com/office/drawing/2014/main" id="{5A4B5DBB-6BA8-C074-2224-77DFB5FDDD41}"/>
+              </a:ext>
+            </a:extLst>
+          </p:cNvPr>
+          <p:cNvSpPr/>
+          <p:nvPr/>
+        </p:nvSpPr>
+        <p:spPr>
+          <a:xfrm>
+            <a:off x="2391595" y="5316270"/>
+            <a:ext cx="45719" cy="57824"/>
+          </a:xfrm>
+          <a:prstGeom prst="ellipse">
+            <a:avLst/>
+          </a:prstGeom>
           <a:solidFill>
-            <a:srgbClr val="7030A0"/>
+            <a:schemeClr val="tx1"/>
           </a:solidFill>
+          <a:ln>
+            <a:solidFill>
+              <a:schemeClr val="tx1"/>
+            </a:solidFill>
+          </a:ln>
         </p:spPr>
         <p:style>
           <a:lnRef idx="2">
@@ -3915,21 +5079,32 @@
       </p:sp>
       <p:sp>
         <p:nvSpPr>
-          <p:cNvPr id="50" name="Rectangle 49"/>
+          <p:cNvPr id="137" name="Oval 136">
+            <a:extLst>
+              <a:ext uri="{FF2B5EF4-FFF2-40B4-BE49-F238E27FC236}">
+                <a16:creationId xmlns:a16="http://schemas.microsoft.com/office/drawing/2014/main" id="{471C373C-77B7-23AF-6EC0-0096791075A9}"/>
+              </a:ext>
+            </a:extLst>
+          </p:cNvPr>
           <p:cNvSpPr/>
           <p:nvPr/>
         </p:nvSpPr>
         <p:spPr>
           <a:xfrm>
-            <a:off x="2286000" y="3200400"/>
-            <a:ext cx="152400" cy="152400"/>
-          </a:xfrm>
-          <a:prstGeom prst="rect">
+            <a:off x="2393408" y="5132498"/>
+            <a:ext cx="45719" cy="60009"/>
+          </a:xfrm>
+          <a:prstGeom prst="ellipse">
             <a:avLst/>
           </a:prstGeom>
           <a:solidFill>
-            <a:srgbClr val="0070C0"/>
+            <a:schemeClr val="tx1"/>
           </a:solidFill>
+          <a:ln>
+            <a:solidFill>
+              <a:schemeClr val="tx1"/>
+            </a:solidFill>
+          </a:ln>
         </p:spPr>
         <p:style>
           <a:lnRef idx="2">
@@ -3958,71 +5133,32 @@
       </p:sp>
       <p:sp>
         <p:nvSpPr>
-          <p:cNvPr id="52" name="TextBox 51"/>
-          <p:cNvSpPr txBox="1"/>
-          <p:nvPr/>
-        </p:nvSpPr>
-        <p:spPr>
-          <a:xfrm>
-            <a:off x="2514600" y="3048000"/>
-            <a:ext cx="4800600" cy="1107996"/>
-          </a:xfrm>
-          <a:prstGeom prst="rect">
-            <a:avLst/>
-          </a:prstGeom>
-          <a:noFill/>
-        </p:spPr>
-        <p:txBody>
-          <a:bodyPr wrap="square" rtlCol="0">
-            <a:spAutoFit/>
-          </a:bodyPr>
-          <a:lstStyle/>
-          <a:p>
-            <a:r>
-              <a:rPr lang="en-US" b="1" dirty="0" smtClean="0">
-                <a:latin typeface="Times New Roman" pitchFamily="18" charset="0"/>
-                <a:cs typeface="Times New Roman" pitchFamily="18" charset="0"/>
-              </a:rPr>
-              <a:t>Diploma in Computer Engineering</a:t>
-            </a:r>
-          </a:p>
-          <a:p>
-            <a:r>
-              <a:rPr lang="en-US" sz="1600" dirty="0" smtClean="0"/>
-              <a:t>Dhaka Mohila Polytechnic Institute(DMPI)</a:t>
-            </a:r>
-          </a:p>
-          <a:p>
-            <a:r>
-              <a:rPr lang="en-US" sz="1600" dirty="0" smtClean="0"/>
-              <a:t>CGPA: </a:t>
-            </a:r>
-          </a:p>
-          <a:p>
-            <a:r>
-              <a:rPr lang="en-US" sz="1600" dirty="0" smtClean="0"/>
-              <a:t>Traning Title : Web Developer</a:t>
-            </a:r>
-          </a:p>
-        </p:txBody>
-      </p:sp>
-      <p:sp>
-        <p:nvSpPr>
-          <p:cNvPr id="53" name="Rectangle 52"/>
+          <p:cNvPr id="138" name="Oval 137">
+            <a:extLst>
+              <a:ext uri="{FF2B5EF4-FFF2-40B4-BE49-F238E27FC236}">
+                <a16:creationId xmlns:a16="http://schemas.microsoft.com/office/drawing/2014/main" id="{6946DA84-6665-1DA3-85B7-7A2B56DE916E}"/>
+              </a:ext>
+            </a:extLst>
+          </p:cNvPr>
           <p:cNvSpPr/>
           <p:nvPr/>
         </p:nvSpPr>
         <p:spPr>
           <a:xfrm>
-            <a:off x="2133600" y="4114800"/>
-            <a:ext cx="152400" cy="152400"/>
-          </a:xfrm>
-          <a:prstGeom prst="rect">
+            <a:off x="2393408" y="4949904"/>
+            <a:ext cx="45719" cy="45719"/>
+          </a:xfrm>
+          <a:prstGeom prst="ellipse">
             <a:avLst/>
           </a:prstGeom>
           <a:solidFill>
-            <a:srgbClr val="7030A0"/>
+            <a:schemeClr val="tx1"/>
           </a:solidFill>
+          <a:ln>
+            <a:solidFill>
+              <a:schemeClr val="tx1"/>
+            </a:solidFill>
+          </a:ln>
         </p:spPr>
         <p:style>
           <a:lnRef idx="2">
@@ -4051,21 +5187,32 @@
       </p:sp>
       <p:sp>
         <p:nvSpPr>
-          <p:cNvPr id="54" name="Rectangle 53"/>
+          <p:cNvPr id="139" name="Oval 138">
+            <a:extLst>
+              <a:ext uri="{FF2B5EF4-FFF2-40B4-BE49-F238E27FC236}">
+                <a16:creationId xmlns:a16="http://schemas.microsoft.com/office/drawing/2014/main" id="{0DF9E230-8B23-CA63-7DBD-CB0B350C03FD}"/>
+              </a:ext>
+            </a:extLst>
+          </p:cNvPr>
           <p:cNvSpPr/>
           <p:nvPr/>
         </p:nvSpPr>
         <p:spPr>
           <a:xfrm>
-            <a:off x="2209800" y="4191000"/>
-            <a:ext cx="152400" cy="152400"/>
-          </a:xfrm>
-          <a:prstGeom prst="rect">
+            <a:off x="2396267" y="5483013"/>
+            <a:ext cx="45719" cy="45719"/>
+          </a:xfrm>
+          <a:prstGeom prst="ellipse">
             <a:avLst/>
           </a:prstGeom>
           <a:solidFill>
-            <a:srgbClr val="0070C0"/>
+            <a:schemeClr val="tx1"/>
           </a:solidFill>
+          <a:ln>
+            <a:solidFill>
+              <a:schemeClr val="tx1"/>
+            </a:solidFill>
+          </a:ln>
         </p:spPr>
         <p:style>
           <a:lnRef idx="2">
@@ -4094,14 +5241,20 @@
       </p:sp>
       <p:sp>
         <p:nvSpPr>
-          <p:cNvPr id="55" name="TextBox 54"/>
+          <p:cNvPr id="140" name="TextBox 139">
+            <a:extLst>
+              <a:ext uri="{FF2B5EF4-FFF2-40B4-BE49-F238E27FC236}">
+                <a16:creationId xmlns:a16="http://schemas.microsoft.com/office/drawing/2014/main" id="{8FED5DB9-7A19-CE1A-491F-5D6784C63135}"/>
+              </a:ext>
+            </a:extLst>
+          </p:cNvPr>
           <p:cNvSpPr txBox="1"/>
           <p:nvPr/>
         </p:nvSpPr>
         <p:spPr>
           <a:xfrm>
-            <a:off x="2590800" y="4038600"/>
-            <a:ext cx="3581400" cy="1107996"/>
+            <a:off x="2230576" y="5622052"/>
+            <a:ext cx="3549103" cy="615553"/>
           </a:xfrm>
           <a:prstGeom prst="rect">
             <a:avLst/>
@@ -4115,172 +5268,35 @@
           <a:lstStyle/>
           <a:p>
             <a:r>
-              <a:rPr lang="en-US" b="1" dirty="0" smtClean="0">
-                <a:latin typeface="Times New Roman" pitchFamily="18" charset="0"/>
-                <a:cs typeface="Times New Roman" pitchFamily="18" charset="0"/>
+              <a:rPr lang="en-US" sz="1600" b="1" dirty="0">
+                <a:solidFill>
+                  <a:schemeClr val="tx2"/>
+                </a:solidFill>
               </a:rPr>
-              <a:t>Secondary School Certificate</a:t>
-            </a:r>
-          </a:p>
-          <a:p>
-            <a:r>
-              <a:rPr lang="en-US" sz="1600" dirty="0" smtClean="0"/>
-              <a:t>Nakla Pilot High School</a:t>
-            </a:r>
-          </a:p>
-          <a:p>
-            <a:r>
-              <a:rPr lang="en-US" sz="1600" dirty="0" smtClean="0"/>
-              <a:t>Group: Vocational</a:t>
-            </a:r>
-          </a:p>
-          <a:p>
-            <a:r>
-              <a:rPr lang="en-US" sz="1600" dirty="0" smtClean="0"/>
-              <a:t>CGPA: 4.86 </a:t>
-            </a:r>
-            <a:endParaRPr lang="en-US" sz="1600" dirty="0"/>
-          </a:p>
-        </p:txBody>
-      </p:sp>
-      <p:sp>
-        <p:nvSpPr>
-          <p:cNvPr id="56" name="Rectangle 55"/>
-          <p:cNvSpPr/>
-          <p:nvPr/>
-        </p:nvSpPr>
-        <p:spPr>
-          <a:xfrm>
-            <a:off x="3352800" y="5105400"/>
-            <a:ext cx="1676400" cy="381000"/>
-          </a:xfrm>
-          <a:prstGeom prst="rect">
-            <a:avLst/>
-          </a:prstGeom>
-          <a:gradFill flip="none" rotWithShape="1">
-            <a:gsLst>
-              <a:gs pos="0">
-                <a:srgbClr val="7030A0">
-                  <a:tint val="66000"/>
-                  <a:satMod val="160000"/>
-                </a:srgbClr>
-              </a:gs>
-              <a:gs pos="50000">
-                <a:srgbClr val="7030A0">
-                  <a:tint val="44500"/>
-                  <a:satMod val="160000"/>
-                </a:srgbClr>
-              </a:gs>
-              <a:gs pos="100000">
-                <a:srgbClr val="7030A0">
-                  <a:tint val="23500"/>
-                  <a:satMod val="160000"/>
-                </a:srgbClr>
-              </a:gs>
-            </a:gsLst>
-            <a:lin ang="5400000" scaled="1"/>
-            <a:tileRect/>
-          </a:gradFill>
-        </p:spPr>
-        <p:style>
-          <a:lnRef idx="2">
-            <a:schemeClr val="accent1">
-              <a:shade val="50000"/>
-            </a:schemeClr>
-          </a:lnRef>
-          <a:fillRef idx="1">
-            <a:schemeClr val="accent1"/>
-          </a:fillRef>
-          <a:effectRef idx="0">
-            <a:schemeClr val="accent1"/>
-          </a:effectRef>
-          <a:fontRef idx="minor">
-            <a:schemeClr val="lt1"/>
-          </a:fontRef>
-        </p:style>
-        <p:txBody>
-          <a:bodyPr rtlCol="0" anchor="ctr"/>
-          <a:lstStyle/>
-          <a:p>
-            <a:pPr algn="ctr"/>
-            <a:endParaRPr lang="en-US"/>
-          </a:p>
-        </p:txBody>
-      </p:sp>
-      <p:sp>
-        <p:nvSpPr>
-          <p:cNvPr id="57" name="Rectangle 56"/>
-          <p:cNvSpPr/>
-          <p:nvPr/>
-        </p:nvSpPr>
-        <p:spPr>
-          <a:xfrm>
-            <a:off x="3352800" y="6781800"/>
-            <a:ext cx="1828800" cy="457200"/>
-          </a:xfrm>
-          <a:prstGeom prst="rect">
-            <a:avLst/>
-          </a:prstGeom>
-          <a:gradFill flip="none" rotWithShape="1">
-            <a:gsLst>
-              <a:gs pos="0">
-                <a:srgbClr val="7030A0">
-                  <a:tint val="66000"/>
-                  <a:satMod val="160000"/>
-                </a:srgbClr>
-              </a:gs>
-              <a:gs pos="50000">
-                <a:srgbClr val="7030A0">
-                  <a:tint val="44500"/>
-                  <a:satMod val="160000"/>
-                </a:srgbClr>
-              </a:gs>
-              <a:gs pos="100000">
-                <a:srgbClr val="7030A0">
-                  <a:tint val="23500"/>
-                  <a:satMod val="160000"/>
-                </a:srgbClr>
-              </a:gs>
-            </a:gsLst>
-            <a:lin ang="5400000" scaled="1"/>
-            <a:tileRect/>
-          </a:gradFill>
-        </p:spPr>
-        <p:style>
-          <a:lnRef idx="2">
-            <a:schemeClr val="accent1">
-              <a:shade val="50000"/>
-            </a:schemeClr>
-          </a:lnRef>
-          <a:fillRef idx="1">
-            <a:schemeClr val="accent1"/>
-          </a:fillRef>
-          <a:effectRef idx="0">
-            <a:schemeClr val="accent1"/>
-          </a:effectRef>
-          <a:fontRef idx="minor">
-            <a:schemeClr val="lt1"/>
-          </a:fontRef>
-        </p:style>
-        <p:txBody>
-          <a:bodyPr rtlCol="0" anchor="ctr"/>
-          <a:lstStyle/>
-          <a:p>
-            <a:pPr algn="ctr"/>
-            <a:endParaRPr lang="en-US"/>
-          </a:p>
-        </p:txBody>
-      </p:sp>
-      <p:sp>
-        <p:nvSpPr>
-          <p:cNvPr id="58" name="TextBox 57"/>
+              <a:t>Software Skill</a:t>
+            </a:r>
+          </a:p>
+          <a:p>
+            <a:endParaRPr lang="en-US" dirty="0"/>
+          </a:p>
+        </p:txBody>
+      </p:sp>
+      <p:sp>
+        <p:nvSpPr>
+          <p:cNvPr id="141" name="TextBox 140">
+            <a:extLst>
+              <a:ext uri="{FF2B5EF4-FFF2-40B4-BE49-F238E27FC236}">
+                <a16:creationId xmlns:a16="http://schemas.microsoft.com/office/drawing/2014/main" id="{F3ADF344-F24C-4F99-5289-1F56794B178A}"/>
+              </a:ext>
+            </a:extLst>
+          </p:cNvPr>
           <p:cNvSpPr txBox="1"/>
           <p:nvPr/>
         </p:nvSpPr>
         <p:spPr>
           <a:xfrm>
-            <a:off x="3733800" y="5105400"/>
-            <a:ext cx="914400" cy="400110"/>
+            <a:off x="2238570" y="5931775"/>
+            <a:ext cx="4879675" cy="461665"/>
           </a:xfrm>
           <a:prstGeom prst="rect">
             <a:avLst/>
@@ -4294,201 +5310,34 @@
           <a:lstStyle/>
           <a:p>
             <a:r>
-              <a:rPr lang="en-US" sz="2000" b="1" dirty="0" smtClean="0">
-                <a:latin typeface="Times New Roman" pitchFamily="18" charset="0"/>
-                <a:cs typeface="Times New Roman" pitchFamily="18" charset="0"/>
-              </a:rPr>
-              <a:t>Skills</a:t>
-            </a:r>
-            <a:endParaRPr lang="en-US" sz="2000" b="1" dirty="0">
-              <a:latin typeface="Times New Roman" pitchFamily="18" charset="0"/>
-              <a:cs typeface="Times New Roman" pitchFamily="18" charset="0"/>
-            </a:endParaRPr>
-          </a:p>
-        </p:txBody>
-      </p:sp>
-      <p:sp>
-        <p:nvSpPr>
-          <p:cNvPr id="59" name="Rectangle 58"/>
-          <p:cNvSpPr/>
-          <p:nvPr/>
-        </p:nvSpPr>
-        <p:spPr>
-          <a:xfrm>
-            <a:off x="2286000" y="5638800"/>
-            <a:ext cx="4267200" cy="228600"/>
-          </a:xfrm>
-          <a:prstGeom prst="rect">
-            <a:avLst/>
-          </a:prstGeom>
-          <a:solidFill>
-            <a:srgbClr val="0070C0"/>
-          </a:solidFill>
-        </p:spPr>
-        <p:style>
-          <a:lnRef idx="2">
-            <a:schemeClr val="accent1">
-              <a:shade val="50000"/>
-            </a:schemeClr>
-          </a:lnRef>
-          <a:fillRef idx="1">
-            <a:schemeClr val="accent1"/>
-          </a:fillRef>
-          <a:effectRef idx="0">
-            <a:schemeClr val="accent1"/>
-          </a:effectRef>
-          <a:fontRef idx="minor">
-            <a:schemeClr val="lt1"/>
-          </a:fontRef>
-        </p:style>
-        <p:txBody>
-          <a:bodyPr rtlCol="0" anchor="ctr"/>
-          <a:lstStyle/>
-          <a:p>
-            <a:pPr algn="ctr"/>
-            <a:endParaRPr lang="en-US"/>
-          </a:p>
-        </p:txBody>
-      </p:sp>
-      <p:sp>
-        <p:nvSpPr>
-          <p:cNvPr id="60" name="Rectangle 59"/>
-          <p:cNvSpPr/>
-          <p:nvPr/>
-        </p:nvSpPr>
-        <p:spPr>
-          <a:xfrm>
-            <a:off x="2286000" y="5638800"/>
-            <a:ext cx="3810000" cy="228600"/>
-          </a:xfrm>
-          <a:prstGeom prst="rect">
-            <a:avLst/>
-          </a:prstGeom>
-          <a:solidFill>
-            <a:srgbClr val="92D050"/>
-          </a:solidFill>
-        </p:spPr>
-        <p:style>
-          <a:lnRef idx="2">
-            <a:schemeClr val="accent1">
-              <a:shade val="50000"/>
-            </a:schemeClr>
-          </a:lnRef>
-          <a:fillRef idx="1">
-            <a:schemeClr val="accent1"/>
-          </a:fillRef>
-          <a:effectRef idx="0">
-            <a:schemeClr val="accent1"/>
-          </a:effectRef>
-          <a:fontRef idx="minor">
-            <a:schemeClr val="lt1"/>
-          </a:fontRef>
-        </p:style>
-        <p:txBody>
-          <a:bodyPr rtlCol="0" anchor="ctr"/>
-          <a:lstStyle/>
-          <a:p>
-            <a:pPr algn="ctr"/>
-            <a:endParaRPr lang="en-US"/>
-          </a:p>
-        </p:txBody>
-      </p:sp>
-      <p:sp>
-        <p:nvSpPr>
-          <p:cNvPr id="62" name="Rectangle 61"/>
-          <p:cNvSpPr/>
-          <p:nvPr/>
-        </p:nvSpPr>
-        <p:spPr>
-          <a:xfrm>
-            <a:off x="2286000" y="6172200"/>
-            <a:ext cx="4267200" cy="228600"/>
-          </a:xfrm>
-          <a:prstGeom prst="rect">
-            <a:avLst/>
-          </a:prstGeom>
-          <a:solidFill>
-            <a:srgbClr val="0070C0"/>
-          </a:solidFill>
-        </p:spPr>
-        <p:style>
-          <a:lnRef idx="2">
-            <a:schemeClr val="accent1">
-              <a:shade val="50000"/>
-            </a:schemeClr>
-          </a:lnRef>
-          <a:fillRef idx="1">
-            <a:schemeClr val="accent1"/>
-          </a:fillRef>
-          <a:effectRef idx="0">
-            <a:schemeClr val="accent1"/>
-          </a:effectRef>
-          <a:fontRef idx="minor">
-            <a:schemeClr val="lt1"/>
-          </a:fontRef>
-        </p:style>
-        <p:txBody>
-          <a:bodyPr rtlCol="0" anchor="ctr"/>
-          <a:lstStyle/>
-          <a:p>
-            <a:pPr algn="ctr"/>
-            <a:endParaRPr lang="en-US"/>
-          </a:p>
-        </p:txBody>
-      </p:sp>
-      <p:sp>
-        <p:nvSpPr>
-          <p:cNvPr id="63" name="Rectangle 62"/>
-          <p:cNvSpPr/>
-          <p:nvPr/>
-        </p:nvSpPr>
-        <p:spPr>
-          <a:xfrm>
-            <a:off x="2286000" y="6172200"/>
-            <a:ext cx="3048000" cy="228600"/>
-          </a:xfrm>
-          <a:prstGeom prst="rect">
-            <a:avLst/>
-          </a:prstGeom>
-          <a:solidFill>
-            <a:srgbClr val="92D050"/>
-          </a:solidFill>
-        </p:spPr>
-        <p:style>
-          <a:lnRef idx="2">
-            <a:schemeClr val="accent1">
-              <a:shade val="50000"/>
-            </a:schemeClr>
-          </a:lnRef>
-          <a:fillRef idx="1">
-            <a:schemeClr val="accent1"/>
-          </a:fillRef>
-          <a:effectRef idx="0">
-            <a:schemeClr val="accent1"/>
-          </a:effectRef>
-          <a:fontRef idx="minor">
-            <a:schemeClr val="lt1"/>
-          </a:fontRef>
-        </p:style>
-        <p:txBody>
-          <a:bodyPr rtlCol="0" anchor="ctr"/>
-          <a:lstStyle/>
-          <a:p>
-            <a:pPr algn="ctr"/>
-            <a:endParaRPr lang="en-US"/>
-          </a:p>
-        </p:txBody>
-      </p:sp>
-      <p:sp>
-        <p:nvSpPr>
-          <p:cNvPr id="64" name="TextBox 63"/>
+              <a:rPr lang="en-US" sz="1200" dirty="0"/>
+              <a:t>Designing Software: HTML , CSS , Bootstarp.</a:t>
+            </a:r>
+          </a:p>
+          <a:p>
+            <a:r>
+              <a:rPr lang="en-US" sz="1200" dirty="0"/>
+              <a:t>Developing Software: PHP , Wordpress.</a:t>
+            </a:r>
+          </a:p>
+        </p:txBody>
+      </p:sp>
+      <p:sp>
+        <p:nvSpPr>
+          <p:cNvPr id="142" name="TextBox 141">
+            <a:extLst>
+              <a:ext uri="{FF2B5EF4-FFF2-40B4-BE49-F238E27FC236}">
+                <a16:creationId xmlns:a16="http://schemas.microsoft.com/office/drawing/2014/main" id="{B1F6E685-8DA3-A31A-0B49-E429A72EB742}"/>
+              </a:ext>
+            </a:extLst>
+          </p:cNvPr>
           <p:cNvSpPr txBox="1"/>
           <p:nvPr/>
         </p:nvSpPr>
         <p:spPr>
           <a:xfrm>
-            <a:off x="3581400" y="5867400"/>
-            <a:ext cx="2514600" cy="338554"/>
+            <a:off x="2261040" y="7765759"/>
+            <a:ext cx="4720066" cy="1015663"/>
           </a:xfrm>
           <a:prstGeom prst="rect">
             <a:avLst/>
@@ -4502,133 +5351,33 @@
           <a:lstStyle/>
           <a:p>
             <a:r>
-              <a:rPr lang="en-US" sz="1600" dirty="0" smtClean="0"/>
-              <a:t>Web Design</a:t>
-            </a:r>
-            <a:endParaRPr lang="en-US" sz="1600" dirty="0"/>
-          </a:p>
-        </p:txBody>
-      </p:sp>
-      <p:sp>
-        <p:nvSpPr>
-          <p:cNvPr id="65" name="TextBox 64"/>
-          <p:cNvSpPr txBox="1"/>
-          <p:nvPr/>
-        </p:nvSpPr>
-        <p:spPr>
-          <a:xfrm>
-            <a:off x="3352800" y="6400800"/>
-            <a:ext cx="2743200" cy="338554"/>
-          </a:xfrm>
-          <a:prstGeom prst="rect">
-            <a:avLst/>
-          </a:prstGeom>
-          <a:noFill/>
-        </p:spPr>
-        <p:txBody>
-          <a:bodyPr wrap="square" rtlCol="0">
-            <a:spAutoFit/>
-          </a:bodyPr>
-          <a:lstStyle/>
-          <a:p>
-            <a:r>
-              <a:rPr lang="en-US" sz="1600" dirty="0" smtClean="0"/>
-              <a:t>Web Development</a:t>
-            </a:r>
-            <a:endParaRPr lang="en-US" sz="1600" dirty="0"/>
-          </a:p>
-        </p:txBody>
-      </p:sp>
-      <p:sp>
-        <p:nvSpPr>
-          <p:cNvPr id="66" name="TextBox 65"/>
-          <p:cNvSpPr txBox="1"/>
-          <p:nvPr/>
-        </p:nvSpPr>
-        <p:spPr>
-          <a:xfrm>
-            <a:off x="3581400" y="6781800"/>
-            <a:ext cx="1752600" cy="400110"/>
-          </a:xfrm>
-          <a:prstGeom prst="rect">
-            <a:avLst/>
-          </a:prstGeom>
-          <a:noFill/>
-        </p:spPr>
-        <p:txBody>
-          <a:bodyPr wrap="square" rtlCol="0">
-            <a:spAutoFit/>
-          </a:bodyPr>
-          <a:lstStyle/>
-          <a:p>
-            <a:r>
-              <a:rPr lang="en-US" sz="2000" b="1" dirty="0" smtClean="0">
-                <a:latin typeface="Times New Roman" pitchFamily="18" charset="0"/>
-                <a:cs typeface="Times New Roman" pitchFamily="18" charset="0"/>
-              </a:rPr>
-              <a:t>Reference</a:t>
-            </a:r>
-            <a:endParaRPr lang="en-US" sz="2000" b="1" dirty="0">
-              <a:latin typeface="Times New Roman" pitchFamily="18" charset="0"/>
-              <a:cs typeface="Times New Roman" pitchFamily="18" charset="0"/>
-            </a:endParaRPr>
-          </a:p>
-        </p:txBody>
-      </p:sp>
-      <p:sp>
-        <p:nvSpPr>
-          <p:cNvPr id="67" name="TextBox 66"/>
-          <p:cNvSpPr txBox="1"/>
-          <p:nvPr/>
-        </p:nvSpPr>
-        <p:spPr>
-          <a:xfrm>
-            <a:off x="2743200" y="7391400"/>
-            <a:ext cx="3124200" cy="1323439"/>
-          </a:xfrm>
-          <a:prstGeom prst="rect">
-            <a:avLst/>
-          </a:prstGeom>
-          <a:noFill/>
-        </p:spPr>
-        <p:txBody>
-          <a:bodyPr wrap="square" rtlCol="0">
-            <a:spAutoFit/>
-          </a:bodyPr>
-          <a:lstStyle/>
-          <a:p>
-            <a:r>
-              <a:rPr lang="en-US" sz="1600" b="1" dirty="0" smtClean="0">
-                <a:latin typeface="Times New Roman" pitchFamily="18" charset="0"/>
-                <a:cs typeface="Times New Roman" pitchFamily="18" charset="0"/>
-              </a:rPr>
-              <a:t>Dr. Sheikh Abu Reza</a:t>
-            </a:r>
-          </a:p>
-          <a:p>
-            <a:r>
-              <a:rPr lang="en-US" sz="1600" dirty="0" smtClean="0"/>
-              <a:t>Director</a:t>
-            </a:r>
-          </a:p>
-          <a:p>
-            <a:r>
-              <a:rPr lang="en-US" sz="1600" dirty="0" smtClean="0"/>
-              <a:t>Former Director(DTE)</a:t>
-            </a:r>
-          </a:p>
-          <a:p>
-            <a:r>
-              <a:rPr lang="en-US" sz="1600" dirty="0" smtClean="0"/>
-              <a:t>Cell: 01711802800</a:t>
-            </a:r>
-          </a:p>
-          <a:p>
-            <a:r>
-              <a:rPr lang="en-US" sz="1600" dirty="0" smtClean="0"/>
-              <a:t>E-mail: bteb.reza@gmail.com</a:t>
-            </a:r>
-            <a:endParaRPr lang="en-US" sz="1600" dirty="0"/>
+              <a:rPr lang="en-US" sz="1200" b="1" dirty="0"/>
+              <a:t>MD Khorshed Alam</a:t>
+            </a:r>
+          </a:p>
+          <a:p>
+            <a:r>
+              <a:rPr lang="en-US" sz="1200" dirty="0"/>
+              <a:t>Head, Department of Computer Science Technology</a:t>
+            </a:r>
+          </a:p>
+          <a:p>
+            <a:r>
+              <a:rPr lang="en-US" sz="1200" dirty="0"/>
+              <a:t>Cell:01552320294</a:t>
+            </a:r>
+          </a:p>
+          <a:p>
+            <a:r>
+              <a:rPr lang="en-US" sz="1200" dirty="0"/>
+              <a:t>        01736984948</a:t>
+            </a:r>
+          </a:p>
+          <a:p>
+            <a:r>
+              <a:rPr lang="en-US" sz="1200" dirty="0"/>
+              <a:t>E-mail:dcbteb@gmail.com</a:t>
+            </a:r>
           </a:p>
         </p:txBody>
       </p:sp>
@@ -4921,4 +5670,299 @@
   <a:objectDefaults/>
   <a:extraClrSchemeLst/>
 </a:theme>
+</file>
+
+<file path=ppt/theme/theme2.xml><?xml version="1.0" encoding="utf-8"?>
+<a:theme xmlns:a="http://schemas.openxmlformats.org/drawingml/2006/main" name="Office Theme">
+  <a:themeElements>
+    <a:clrScheme name="Office">
+      <a:dk1>
+        <a:sysClr val="windowText" lastClr="000000"/>
+      </a:dk1>
+      <a:lt1>
+        <a:sysClr val="window" lastClr="FFFFFF"/>
+      </a:lt1>
+      <a:dk2>
+        <a:srgbClr val="44546A"/>
+      </a:dk2>
+      <a:lt2>
+        <a:srgbClr val="E7E6E6"/>
+      </a:lt2>
+      <a:accent1>
+        <a:srgbClr val="4472C4"/>
+      </a:accent1>
+      <a:accent2>
+        <a:srgbClr val="ED7D31"/>
+      </a:accent2>
+      <a:accent3>
+        <a:srgbClr val="A5A5A5"/>
+      </a:accent3>
+      <a:accent4>
+        <a:srgbClr val="FFC000"/>
+      </a:accent4>
+      <a:accent5>
+        <a:srgbClr val="5B9BD5"/>
+      </a:accent5>
+      <a:accent6>
+        <a:srgbClr val="70AD47"/>
+      </a:accent6>
+      <a:hlink>
+        <a:srgbClr val="0563C1"/>
+      </a:hlink>
+      <a:folHlink>
+        <a:srgbClr val="954F72"/>
+      </a:folHlink>
+    </a:clrScheme>
+    <a:fontScheme name="Office">
+      <a:majorFont>
+        <a:latin typeface="Calibri Light" panose="020F0302020204030204"/>
+        <a:ea typeface=""/>
+        <a:cs typeface=""/>
+        <a:font script="Jpan" typeface="游ゴシック Light"/>
+        <a:font script="Hang" typeface="맑은 고딕"/>
+        <a:font script="Hans" typeface="等线 Light"/>
+        <a:font script="Hant" typeface="新細明體"/>
+        <a:font script="Arab" typeface="Times New Roman"/>
+        <a:font script="Hebr" typeface="Times New Roman"/>
+        <a:font script="Thai" typeface="Angsana New"/>
+        <a:font script="Ethi" typeface="Nyala"/>
+        <a:font script="Beng" typeface="Vrinda"/>
+        <a:font script="Gujr" typeface="Shruti"/>
+        <a:font script="Khmr" typeface="MoolBoran"/>
+        <a:font script="Knda" typeface="Tunga"/>
+        <a:font script="Guru" typeface="Raavi"/>
+        <a:font script="Cans" typeface="Euphemia"/>
+        <a:font script="Cher" typeface="Plantagenet Cherokee"/>
+        <a:font script="Yiii" typeface="Microsoft Yi Baiti"/>
+        <a:font script="Tibt" typeface="Microsoft Himalaya"/>
+        <a:font script="Thaa" typeface="MV Boli"/>
+        <a:font script="Deva" typeface="Mangal"/>
+        <a:font script="Telu" typeface="Gautami"/>
+        <a:font script="Taml" typeface="Latha"/>
+        <a:font script="Syrc" typeface="Estrangelo Edessa"/>
+        <a:font script="Orya" typeface="Kalinga"/>
+        <a:font script="Mlym" typeface="Kartika"/>
+        <a:font script="Laoo" typeface="DokChampa"/>
+        <a:font script="Sinh" typeface="Iskoola Pota"/>
+        <a:font script="Mong" typeface="Mongolian Baiti"/>
+        <a:font script="Viet" typeface="Times New Roman"/>
+        <a:font script="Uigh" typeface="Microsoft Uighur"/>
+        <a:font script="Geor" typeface="Sylfaen"/>
+        <a:font script="Armn" typeface="Arial"/>
+        <a:font script="Bugi" typeface="Leelawadee UI"/>
+        <a:font script="Bopo" typeface="Microsoft JhengHei"/>
+        <a:font script="Java" typeface="Javanese Text"/>
+        <a:font script="Lisu" typeface="Segoe UI"/>
+        <a:font script="Mymr" typeface="Myanmar Text"/>
+        <a:font script="Nkoo" typeface="Ebrima"/>
+        <a:font script="Olck" typeface="Nirmala UI"/>
+        <a:font script="Osma" typeface="Ebrima"/>
+        <a:font script="Phag" typeface="Phagspa"/>
+        <a:font script="Syrn" typeface="Estrangelo Edessa"/>
+        <a:font script="Syrj" typeface="Estrangelo Edessa"/>
+        <a:font script="Syre" typeface="Estrangelo Edessa"/>
+        <a:font script="Sora" typeface="Nirmala UI"/>
+        <a:font script="Tale" typeface="Microsoft Tai Le"/>
+        <a:font script="Talu" typeface="Microsoft New Tai Lue"/>
+        <a:font script="Tfng" typeface="Ebrima"/>
+      </a:majorFont>
+      <a:minorFont>
+        <a:latin typeface="Calibri" panose="020F0502020204030204"/>
+        <a:ea typeface=""/>
+        <a:cs typeface=""/>
+        <a:font script="Jpan" typeface="游ゴシック"/>
+        <a:font script="Hang" typeface="맑은 고딕"/>
+        <a:font script="Hans" typeface="等线"/>
+        <a:font script="Hant" typeface="新細明體"/>
+        <a:font script="Arab" typeface="Arial"/>
+        <a:font script="Hebr" typeface="Arial"/>
+        <a:font script="Thai" typeface="Cordia New"/>
+        <a:font script="Ethi" typeface="Nyala"/>
+        <a:font script="Beng" typeface="Vrinda"/>
+        <a:font script="Gujr" typeface="Shruti"/>
+        <a:font script="Khmr" typeface="DaunPenh"/>
+        <a:font script="Knda" typeface="Tunga"/>
+        <a:font script="Guru" typeface="Raavi"/>
+        <a:font script="Cans" typeface="Euphemia"/>
+        <a:font script="Cher" typeface="Plantagenet Cherokee"/>
+        <a:font script="Yiii" typeface="Microsoft Yi Baiti"/>
+        <a:font script="Tibt" typeface="Microsoft Himalaya"/>
+        <a:font script="Thaa" typeface="MV Boli"/>
+        <a:font script="Deva" typeface="Mangal"/>
+        <a:font script="Telu" typeface="Gautami"/>
+        <a:font script="Taml" typeface="Latha"/>
+        <a:font script="Syrc" typeface="Estrangelo Edessa"/>
+        <a:font script="Orya" typeface="Kalinga"/>
+        <a:font script="Mlym" typeface="Kartika"/>
+        <a:font script="Laoo" typeface="DokChampa"/>
+        <a:font script="Sinh" typeface="Iskoola Pota"/>
+        <a:font script="Mong" typeface="Mongolian Baiti"/>
+        <a:font script="Viet" typeface="Arial"/>
+        <a:font script="Uigh" typeface="Microsoft Uighur"/>
+        <a:font script="Geor" typeface="Sylfaen"/>
+        <a:font script="Armn" typeface="Arial"/>
+        <a:font script="Bugi" typeface="Leelawadee UI"/>
+        <a:font script="Bopo" typeface="Microsoft JhengHei"/>
+        <a:font script="Java" typeface="Javanese Text"/>
+        <a:font script="Lisu" typeface="Segoe UI"/>
+        <a:font script="Mymr" typeface="Myanmar Text"/>
+        <a:font script="Nkoo" typeface="Ebrima"/>
+        <a:font script="Olck" typeface="Nirmala UI"/>
+        <a:font script="Osma" typeface="Ebrima"/>
+        <a:font script="Phag" typeface="Phagspa"/>
+        <a:font script="Syrn" typeface="Estrangelo Edessa"/>
+        <a:font script="Syrj" typeface="Estrangelo Edessa"/>
+        <a:font script="Syre" typeface="Estrangelo Edessa"/>
+        <a:font script="Sora" typeface="Nirmala UI"/>
+        <a:font script="Tale" typeface="Microsoft Tai Le"/>
+        <a:font script="Talu" typeface="Microsoft New Tai Lue"/>
+        <a:font script="Tfng" typeface="Ebrima"/>
+      </a:minorFont>
+    </a:fontScheme>
+    <a:fmtScheme name="Office">
+      <a:fillStyleLst>
+        <a:solidFill>
+          <a:schemeClr val="phClr"/>
+        </a:solidFill>
+        <a:gradFill rotWithShape="1">
+          <a:gsLst>
+            <a:gs pos="0">
+              <a:schemeClr val="phClr">
+                <a:lumMod val="110000"/>
+                <a:satMod val="105000"/>
+                <a:tint val="67000"/>
+              </a:schemeClr>
+            </a:gs>
+            <a:gs pos="50000">
+              <a:schemeClr val="phClr">
+                <a:lumMod val="105000"/>
+                <a:satMod val="103000"/>
+                <a:tint val="73000"/>
+              </a:schemeClr>
+            </a:gs>
+            <a:gs pos="100000">
+              <a:schemeClr val="phClr">
+                <a:lumMod val="105000"/>
+                <a:satMod val="109000"/>
+                <a:tint val="81000"/>
+              </a:schemeClr>
+            </a:gs>
+          </a:gsLst>
+          <a:lin ang="5400000" scaled="0"/>
+        </a:gradFill>
+        <a:gradFill rotWithShape="1">
+          <a:gsLst>
+            <a:gs pos="0">
+              <a:schemeClr val="phClr">
+                <a:satMod val="103000"/>
+                <a:lumMod val="102000"/>
+                <a:tint val="94000"/>
+              </a:schemeClr>
+            </a:gs>
+            <a:gs pos="50000">
+              <a:schemeClr val="phClr">
+                <a:satMod val="110000"/>
+                <a:lumMod val="100000"/>
+                <a:shade val="100000"/>
+              </a:schemeClr>
+            </a:gs>
+            <a:gs pos="100000">
+              <a:schemeClr val="phClr">
+                <a:lumMod val="99000"/>
+                <a:satMod val="120000"/>
+                <a:shade val="78000"/>
+              </a:schemeClr>
+            </a:gs>
+          </a:gsLst>
+          <a:lin ang="5400000" scaled="0"/>
+        </a:gradFill>
+      </a:fillStyleLst>
+      <a:lnStyleLst>
+        <a:ln w="6350" cap="flat" cmpd="sng" algn="ctr">
+          <a:solidFill>
+            <a:schemeClr val="phClr"/>
+          </a:solidFill>
+          <a:prstDash val="solid"/>
+          <a:miter lim="800000"/>
+        </a:ln>
+        <a:ln w="12700" cap="flat" cmpd="sng" algn="ctr">
+          <a:solidFill>
+            <a:schemeClr val="phClr"/>
+          </a:solidFill>
+          <a:prstDash val="solid"/>
+          <a:miter lim="800000"/>
+        </a:ln>
+        <a:ln w="19050" cap="flat" cmpd="sng" algn="ctr">
+          <a:solidFill>
+            <a:schemeClr val="phClr"/>
+          </a:solidFill>
+          <a:prstDash val="solid"/>
+          <a:miter lim="800000"/>
+        </a:ln>
+      </a:lnStyleLst>
+      <a:effectStyleLst>
+        <a:effectStyle>
+          <a:effectLst/>
+        </a:effectStyle>
+        <a:effectStyle>
+          <a:effectLst/>
+        </a:effectStyle>
+        <a:effectStyle>
+          <a:effectLst>
+            <a:outerShdw blurRad="57150" dist="19050" dir="5400000" algn="ctr" rotWithShape="0">
+              <a:srgbClr val="000000">
+                <a:alpha val="63000"/>
+              </a:srgbClr>
+            </a:outerShdw>
+          </a:effectLst>
+        </a:effectStyle>
+      </a:effectStyleLst>
+      <a:bgFillStyleLst>
+        <a:solidFill>
+          <a:schemeClr val="phClr"/>
+        </a:solidFill>
+        <a:solidFill>
+          <a:schemeClr val="phClr">
+            <a:tint val="95000"/>
+            <a:satMod val="170000"/>
+          </a:schemeClr>
+        </a:solidFill>
+        <a:gradFill rotWithShape="1">
+          <a:gsLst>
+            <a:gs pos="0">
+              <a:schemeClr val="phClr">
+                <a:tint val="93000"/>
+                <a:satMod val="150000"/>
+                <a:shade val="98000"/>
+                <a:lumMod val="102000"/>
+              </a:schemeClr>
+            </a:gs>
+            <a:gs pos="50000">
+              <a:schemeClr val="phClr">
+                <a:tint val="98000"/>
+                <a:satMod val="130000"/>
+                <a:shade val="90000"/>
+                <a:lumMod val="103000"/>
+              </a:schemeClr>
+            </a:gs>
+            <a:gs pos="100000">
+              <a:schemeClr val="phClr">
+                <a:shade val="63000"/>
+                <a:satMod val="120000"/>
+              </a:schemeClr>
+            </a:gs>
+          </a:gsLst>
+          <a:lin ang="5400000" scaled="0"/>
+        </a:gradFill>
+      </a:bgFillStyleLst>
+    </a:fmtScheme>
+  </a:themeElements>
+  <a:objectDefaults/>
+  <a:extraClrSchemeLst/>
+  <a:extLst>
+    <a:ext uri="{05A4C25C-085E-4340-85A3-A5531E510DB2}">
+      <thm15:themeFamily xmlns:thm15="http://schemas.microsoft.com/office/thememl/2012/main" name="Office Theme" id="{62F939B6-93AF-4DB8-9C6B-D6C7DFDC589F}" vid="{4A3C46E8-61CC-4603-A589-7422A47A8E4A}"/>
+    </a:ext>
+  </a:extLst>
+</a:theme>
 </file>